--- a/PROJECT/Presentation/Tinf19C_Team5_Presentation.pptx
+++ b/PROJECT/Presentation/Tinf19C_Team5_Presentation.pptx
@@ -1,6 +1,6 @@
 
 <file path=ppt/presentation.xml><?xml version="1.0" encoding="utf-8"?>
-<p:presentation xmlns:a="http://schemas.openxmlformats.org/drawingml/2006/main" xmlns:r="http://schemas.openxmlformats.org/officeDocument/2006/relationships" xmlns:p="http://schemas.openxmlformats.org/presentationml/2006/main" saveSubsetFonts="1">
+<p:presentation xmlns:a="http://schemas.openxmlformats.org/drawingml/2006/main" xmlns:r="http://schemas.openxmlformats.org/officeDocument/2006/relationships" xmlns:p="http://schemas.openxmlformats.org/presentationml/2006/main" showSpecialPlsOnTitleSld="0" saveSubsetFonts="1">
   <p:sldMasterIdLst>
     <p:sldMasterId id="2147484946" r:id="rId4"/>
   </p:sldMasterIdLst>
@@ -14,8 +14,8 @@
     <p:sldId id="259" r:id="rId8"/>
     <p:sldId id="261" r:id="rId9"/>
     <p:sldId id="262" r:id="rId10"/>
-    <p:sldId id="264" r:id="rId11"/>
-    <p:sldId id="263" r:id="rId12"/>
+    <p:sldId id="263" r:id="rId11"/>
+    <p:sldId id="264" r:id="rId12"/>
     <p:sldId id="265" r:id="rId13"/>
     <p:sldId id="268" r:id="rId14"/>
     <p:sldId id="266" r:id="rId15"/>
@@ -239,7 +239,7 @@
           <a:p>
             <a:fld id="{82FF2710-52B9-41BE-B311-2EEDD77B1C58}" type="datetimeFigureOut">
               <a:rPr lang="de-DE" smtClean="0"/>
-              <a:t>12.11.2020</a:t>
+              <a:t>13.11.2020</a:t>
             </a:fld>
             <a:endParaRPr lang="de-DE"/>
           </a:p>
@@ -398,7 +398,7 @@
           <a:p>
             <a:fld id="{9992875C-3963-4B6B-95C5-706D1F04615B}" type="slidenum">
               <a:rPr lang="de-DE" smtClean="0"/>
-              <a:t>‹#›</a:t>
+              <a:t>‹Nr.›</a:t>
             </a:fld>
             <a:endParaRPr lang="de-DE"/>
           </a:p>
@@ -1039,9 +1039,9 @@
           <a:bodyPr/>
           <a:lstStyle/>
           <a:p>
-            <a:fld id="{D4A213A3-10E9-421F-81BE-56E0786AB515}" type="datetime2">
+            <a:fld id="{0EC4648F-1D06-43BE-BCAB-D7EEB3CBD52B}" type="datetime2">
               <a:rPr lang="en-US" smtClean="0"/>
-              <a:t>Thursday, November 12, 2020</a:t>
+              <a:t>Friday, November 13, 2020</a:t>
             </a:fld>
             <a:endParaRPr lang="en-US"/>
           </a:p>
@@ -1095,7 +1095,7 @@
           <a:p>
             <a:fld id="{B9EAB3BA-07EE-4B64-A177-47C30D775877}" type="slidenum">
               <a:rPr lang="en-US" smtClean="0"/>
-              <a:t>‹#›</a:t>
+              <a:t>‹Nr.›</a:t>
             </a:fld>
             <a:endParaRPr lang="en-US"/>
           </a:p>
@@ -1239,9 +1239,9 @@
           <a:bodyPr/>
           <a:lstStyle/>
           <a:p>
-            <a:fld id="{10076A27-8146-4F75-9851-A83577C6FD8A}" type="datetime2">
+            <a:fld id="{AF9CE901-0165-4FB6-9BBC-09BD1493AC2F}" type="datetime2">
               <a:rPr lang="en-US" smtClean="0"/>
-              <a:t>Thursday, November 12, 2020</a:t>
+              <a:t>Friday, November 13, 2020</a:t>
             </a:fld>
             <a:endParaRPr lang="en-US"/>
           </a:p>
@@ -1295,7 +1295,7 @@
           <a:p>
             <a:fld id="{B9EAB3BA-07EE-4B64-A177-47C30D775877}" type="slidenum">
               <a:rPr lang="en-US" smtClean="0"/>
-              <a:t>‹#›</a:t>
+              <a:t>‹Nr.›</a:t>
             </a:fld>
             <a:endParaRPr lang="en-US"/>
           </a:p>
@@ -1311,7 +1311,6 @@
   <p:clrMapOvr>
     <a:masterClrMapping/>
   </p:clrMapOvr>
-  <p:hf sldNum="0" hdr="0" ftr="0" dt="0"/>
 </p:sldLayout>
 </file>
 
@@ -1450,9 +1449,9 @@
           <a:bodyPr/>
           <a:lstStyle/>
           <a:p>
-            <a:fld id="{10076A27-8146-4F75-9851-A83577C6FD8A}" type="datetime2">
+            <a:fld id="{496ED1F1-224B-4CCA-B40B-921253A84B08}" type="datetime2">
               <a:rPr lang="en-US" smtClean="0"/>
-              <a:t>Thursday, November 12, 2020</a:t>
+              <a:t>Friday, November 13, 2020</a:t>
             </a:fld>
             <a:endParaRPr lang="en-US"/>
           </a:p>
@@ -1506,7 +1505,7 @@
           <a:p>
             <a:fld id="{B9EAB3BA-07EE-4B64-A177-47C30D775877}" type="slidenum">
               <a:rPr lang="en-US" smtClean="0"/>
-              <a:t>‹#›</a:t>
+              <a:t>‹Nr.›</a:t>
             </a:fld>
             <a:endParaRPr lang="en-US"/>
           </a:p>
@@ -1522,7 +1521,6 @@
   <p:clrMapOvr>
     <a:masterClrMapping/>
   </p:clrMapOvr>
-  <p:hf sldNum="0" hdr="0" ftr="0" dt="0"/>
 </p:sldLayout>
 </file>
 
@@ -1651,9 +1649,9 @@
           <a:bodyPr/>
           <a:lstStyle/>
           <a:p>
-            <a:fld id="{10076A27-8146-4F75-9851-A83577C6FD8A}" type="datetime2">
+            <a:fld id="{734065ED-E996-49A2-93A8-7EDB3E8E1DDE}" type="datetime2">
               <a:rPr lang="en-US" smtClean="0"/>
-              <a:t>Thursday, November 12, 2020</a:t>
+              <a:t>Friday, November 13, 2020</a:t>
             </a:fld>
             <a:endParaRPr lang="en-US"/>
           </a:p>
@@ -1675,12 +1673,17 @@
             <p:ph type="ftr" sz="quarter" idx="11"/>
           </p:nvPr>
         </p:nvSpPr>
-        <p:spPr/>
+        <p:spPr>
+          <a:xfrm>
+            <a:off x="7239000" y="6357848"/>
+            <a:ext cx="4114800" cy="365125"/>
+          </a:xfrm>
+        </p:spPr>
         <p:txBody>
           <a:bodyPr/>
           <a:lstStyle/>
           <a:p>
-            <a:endParaRPr lang="en-US"/>
+            <a:endParaRPr lang="en-US" dirty="0"/>
           </a:p>
         </p:txBody>
       </p:sp>
@@ -1700,16 +1703,293 @@
             <p:ph type="sldNum" sz="quarter" idx="12"/>
           </p:nvPr>
         </p:nvSpPr>
-        <p:spPr/>
+        <p:spPr>
+          <a:xfrm>
+            <a:off x="3581400" y="6425361"/>
+            <a:ext cx="2743200" cy="365125"/>
+          </a:xfrm>
+        </p:spPr>
         <p:txBody>
           <a:bodyPr/>
-          <a:lstStyle/>
+          <a:lstStyle>
+            <a:lvl1pPr>
+              <a:defRPr sz="1800">
+                <a:solidFill>
+                  <a:schemeClr val="bg1"/>
+                </a:solidFill>
+                <a:latin typeface="Roboto"/>
+              </a:defRPr>
+            </a:lvl1pPr>
+          </a:lstStyle>
           <a:p>
             <a:fld id="{B9EAB3BA-07EE-4B64-A177-47C30D775877}" type="slidenum">
               <a:rPr lang="en-US" smtClean="0"/>
-              <a:t>‹#›</a:t>
+              <a:pPr/>
+              <a:t>‹Nr.›</a:t>
             </a:fld>
-            <a:endParaRPr lang="en-US"/>
+            <a:endParaRPr lang="en-US" dirty="0">
+              <a:latin typeface="Roboto"/>
+            </a:endParaRPr>
+          </a:p>
+        </p:txBody>
+      </p:sp>
+      <p:sp>
+        <p:nvSpPr>
+          <p:cNvPr id="7" name="Slide Number Placeholder 5">
+            <a:extLst>
+              <a:ext uri="{FF2B5EF4-FFF2-40B4-BE49-F238E27FC236}">
+                <a16:creationId xmlns:a16="http://schemas.microsoft.com/office/drawing/2014/main" id="{4A9B301C-C324-4E12-8E64-8DDE88A83B00}"/>
+              </a:ext>
+            </a:extLst>
+          </p:cNvPr>
+          <p:cNvSpPr txBox="1">
+            <a:spLocks/>
+          </p:cNvSpPr>
+          <p:nvPr userDrawn="1"/>
+        </p:nvSpPr>
+        <p:spPr>
+          <a:xfrm>
+            <a:off x="3581400" y="6390855"/>
+            <a:ext cx="2743200" cy="365125"/>
+          </a:xfrm>
+          <a:prstGeom prst="rect">
+            <a:avLst/>
+          </a:prstGeom>
+        </p:spPr>
+        <p:txBody>
+          <a:bodyPr vert="horz" lIns="91440" tIns="45720" rIns="91440" bIns="45720" rtlCol="0" anchor="ctr"/>
+          <a:lstStyle>
+            <a:defPPr>
+              <a:defRPr lang="de-DE"/>
+            </a:defPPr>
+            <a:lvl1pPr marL="0" algn="r" defTabSz="914400" rtl="0" eaLnBrk="1" latinLnBrk="0" hangingPunct="1">
+              <a:defRPr sz="1800" kern="1200">
+                <a:solidFill>
+                  <a:schemeClr val="bg1"/>
+                </a:solidFill>
+                <a:latin typeface="Roboto"/>
+                <a:ea typeface="+mn-ea"/>
+                <a:cs typeface="+mn-cs"/>
+              </a:defRPr>
+            </a:lvl1pPr>
+            <a:lvl2pPr marL="457200" algn="l" defTabSz="914400" rtl="0" eaLnBrk="1" latinLnBrk="0" hangingPunct="1">
+              <a:defRPr sz="1800" kern="1200">
+                <a:solidFill>
+                  <a:schemeClr val="tx1"/>
+                </a:solidFill>
+                <a:latin typeface="+mn-lt"/>
+                <a:ea typeface="+mn-ea"/>
+                <a:cs typeface="+mn-cs"/>
+              </a:defRPr>
+            </a:lvl2pPr>
+            <a:lvl3pPr marL="914400" algn="l" defTabSz="914400" rtl="0" eaLnBrk="1" latinLnBrk="0" hangingPunct="1">
+              <a:defRPr sz="1800" kern="1200">
+                <a:solidFill>
+                  <a:schemeClr val="tx1"/>
+                </a:solidFill>
+                <a:latin typeface="+mn-lt"/>
+                <a:ea typeface="+mn-ea"/>
+                <a:cs typeface="+mn-cs"/>
+              </a:defRPr>
+            </a:lvl3pPr>
+            <a:lvl4pPr marL="1371600" algn="l" defTabSz="914400" rtl="0" eaLnBrk="1" latinLnBrk="0" hangingPunct="1">
+              <a:defRPr sz="1800" kern="1200">
+                <a:solidFill>
+                  <a:schemeClr val="tx1"/>
+                </a:solidFill>
+                <a:latin typeface="+mn-lt"/>
+                <a:ea typeface="+mn-ea"/>
+                <a:cs typeface="+mn-cs"/>
+              </a:defRPr>
+            </a:lvl4pPr>
+            <a:lvl5pPr marL="1828800" algn="l" defTabSz="914400" rtl="0" eaLnBrk="1" latinLnBrk="0" hangingPunct="1">
+              <a:defRPr sz="1800" kern="1200">
+                <a:solidFill>
+                  <a:schemeClr val="tx1"/>
+                </a:solidFill>
+                <a:latin typeface="+mn-lt"/>
+                <a:ea typeface="+mn-ea"/>
+                <a:cs typeface="+mn-cs"/>
+              </a:defRPr>
+            </a:lvl5pPr>
+            <a:lvl6pPr marL="2286000" algn="l" defTabSz="914400" rtl="0" eaLnBrk="1" latinLnBrk="0" hangingPunct="1">
+              <a:defRPr sz="1800" kern="1200">
+                <a:solidFill>
+                  <a:schemeClr val="tx1"/>
+                </a:solidFill>
+                <a:latin typeface="+mn-lt"/>
+                <a:ea typeface="+mn-ea"/>
+                <a:cs typeface="+mn-cs"/>
+              </a:defRPr>
+            </a:lvl6pPr>
+            <a:lvl7pPr marL="2743200" algn="l" defTabSz="914400" rtl="0" eaLnBrk="1" latinLnBrk="0" hangingPunct="1">
+              <a:defRPr sz="1800" kern="1200">
+                <a:solidFill>
+                  <a:schemeClr val="tx1"/>
+                </a:solidFill>
+                <a:latin typeface="+mn-lt"/>
+                <a:ea typeface="+mn-ea"/>
+                <a:cs typeface="+mn-cs"/>
+              </a:defRPr>
+            </a:lvl7pPr>
+            <a:lvl8pPr marL="3200400" algn="l" defTabSz="914400" rtl="0" eaLnBrk="1" latinLnBrk="0" hangingPunct="1">
+              <a:defRPr sz="1800" kern="1200">
+                <a:solidFill>
+                  <a:schemeClr val="tx1"/>
+                </a:solidFill>
+                <a:latin typeface="+mn-lt"/>
+                <a:ea typeface="+mn-ea"/>
+                <a:cs typeface="+mn-cs"/>
+              </a:defRPr>
+            </a:lvl8pPr>
+            <a:lvl9pPr marL="3657600" algn="l" defTabSz="914400" rtl="0" eaLnBrk="1" latinLnBrk="0" hangingPunct="1">
+              <a:defRPr sz="1800" kern="1200">
+                <a:solidFill>
+                  <a:schemeClr val="tx1"/>
+                </a:solidFill>
+                <a:latin typeface="+mn-lt"/>
+                <a:ea typeface="+mn-ea"/>
+                <a:cs typeface="+mn-cs"/>
+              </a:defRPr>
+            </a:lvl9pPr>
+          </a:lstStyle>
+          <a:p>
+            <a:fld id="{B9EAB3BA-07EE-4B64-A177-47C30D775877}" type="slidenum">
+              <a:rPr lang="en-US" smtClean="0"/>
+              <a:pPr/>
+              <a:t>‹Nr.›</a:t>
+            </a:fld>
+            <a:endParaRPr lang="en-US" dirty="0"/>
+          </a:p>
+        </p:txBody>
+      </p:sp>
+      <p:sp>
+        <p:nvSpPr>
+          <p:cNvPr id="8" name="Slide Number Placeholder 5">
+            <a:extLst>
+              <a:ext uri="{FF2B5EF4-FFF2-40B4-BE49-F238E27FC236}">
+                <a16:creationId xmlns:a16="http://schemas.microsoft.com/office/drawing/2014/main" id="{DD547061-657B-44A8-B1FD-FD66E8E00058}"/>
+              </a:ext>
+            </a:extLst>
+          </p:cNvPr>
+          <p:cNvSpPr txBox="1">
+            <a:spLocks/>
+          </p:cNvSpPr>
+          <p:nvPr userDrawn="1"/>
+        </p:nvSpPr>
+        <p:spPr>
+          <a:xfrm>
+            <a:off x="3581400" y="6390855"/>
+            <a:ext cx="2743200" cy="365125"/>
+          </a:xfrm>
+          <a:prstGeom prst="rect">
+            <a:avLst/>
+          </a:prstGeom>
+        </p:spPr>
+        <p:txBody>
+          <a:bodyPr vert="horz" lIns="91440" tIns="45720" rIns="91440" bIns="45720" rtlCol="0" anchor="ctr"/>
+          <a:lstStyle>
+            <a:defPPr>
+              <a:defRPr lang="de-DE"/>
+            </a:defPPr>
+            <a:lvl1pPr marL="0" algn="r" defTabSz="914400" rtl="0" eaLnBrk="1" latinLnBrk="0" hangingPunct="1">
+              <a:defRPr sz="1800" kern="1200">
+                <a:solidFill>
+                  <a:schemeClr val="bg1"/>
+                </a:solidFill>
+                <a:latin typeface="Roboto"/>
+                <a:ea typeface="+mn-ea"/>
+                <a:cs typeface="+mn-cs"/>
+              </a:defRPr>
+            </a:lvl1pPr>
+            <a:lvl2pPr marL="457200" algn="l" defTabSz="914400" rtl="0" eaLnBrk="1" latinLnBrk="0" hangingPunct="1">
+              <a:defRPr sz="1800" kern="1200">
+                <a:solidFill>
+                  <a:schemeClr val="tx1"/>
+                </a:solidFill>
+                <a:latin typeface="+mn-lt"/>
+                <a:ea typeface="+mn-ea"/>
+                <a:cs typeface="+mn-cs"/>
+              </a:defRPr>
+            </a:lvl2pPr>
+            <a:lvl3pPr marL="914400" algn="l" defTabSz="914400" rtl="0" eaLnBrk="1" latinLnBrk="0" hangingPunct="1">
+              <a:defRPr sz="1800" kern="1200">
+                <a:solidFill>
+                  <a:schemeClr val="tx1"/>
+                </a:solidFill>
+                <a:latin typeface="+mn-lt"/>
+                <a:ea typeface="+mn-ea"/>
+                <a:cs typeface="+mn-cs"/>
+              </a:defRPr>
+            </a:lvl3pPr>
+            <a:lvl4pPr marL="1371600" algn="l" defTabSz="914400" rtl="0" eaLnBrk="1" latinLnBrk="0" hangingPunct="1">
+              <a:defRPr sz="1800" kern="1200">
+                <a:solidFill>
+                  <a:schemeClr val="tx1"/>
+                </a:solidFill>
+                <a:latin typeface="+mn-lt"/>
+                <a:ea typeface="+mn-ea"/>
+                <a:cs typeface="+mn-cs"/>
+              </a:defRPr>
+            </a:lvl4pPr>
+            <a:lvl5pPr marL="1828800" algn="l" defTabSz="914400" rtl="0" eaLnBrk="1" latinLnBrk="0" hangingPunct="1">
+              <a:defRPr sz="1800" kern="1200">
+                <a:solidFill>
+                  <a:schemeClr val="tx1"/>
+                </a:solidFill>
+                <a:latin typeface="+mn-lt"/>
+                <a:ea typeface="+mn-ea"/>
+                <a:cs typeface="+mn-cs"/>
+              </a:defRPr>
+            </a:lvl5pPr>
+            <a:lvl6pPr marL="2286000" algn="l" defTabSz="914400" rtl="0" eaLnBrk="1" latinLnBrk="0" hangingPunct="1">
+              <a:defRPr sz="1800" kern="1200">
+                <a:solidFill>
+                  <a:schemeClr val="tx1"/>
+                </a:solidFill>
+                <a:latin typeface="+mn-lt"/>
+                <a:ea typeface="+mn-ea"/>
+                <a:cs typeface="+mn-cs"/>
+              </a:defRPr>
+            </a:lvl6pPr>
+            <a:lvl7pPr marL="2743200" algn="l" defTabSz="914400" rtl="0" eaLnBrk="1" latinLnBrk="0" hangingPunct="1">
+              <a:defRPr sz="1800" kern="1200">
+                <a:solidFill>
+                  <a:schemeClr val="tx1"/>
+                </a:solidFill>
+                <a:latin typeface="+mn-lt"/>
+                <a:ea typeface="+mn-ea"/>
+                <a:cs typeface="+mn-cs"/>
+              </a:defRPr>
+            </a:lvl7pPr>
+            <a:lvl8pPr marL="3200400" algn="l" defTabSz="914400" rtl="0" eaLnBrk="1" latinLnBrk="0" hangingPunct="1">
+              <a:defRPr sz="1800" kern="1200">
+                <a:solidFill>
+                  <a:schemeClr val="tx1"/>
+                </a:solidFill>
+                <a:latin typeface="+mn-lt"/>
+                <a:ea typeface="+mn-ea"/>
+                <a:cs typeface="+mn-cs"/>
+              </a:defRPr>
+            </a:lvl8pPr>
+            <a:lvl9pPr marL="3657600" algn="l" defTabSz="914400" rtl="0" eaLnBrk="1" latinLnBrk="0" hangingPunct="1">
+              <a:defRPr sz="1800" kern="1200">
+                <a:solidFill>
+                  <a:schemeClr val="tx1"/>
+                </a:solidFill>
+                <a:latin typeface="+mn-lt"/>
+                <a:ea typeface="+mn-ea"/>
+                <a:cs typeface="+mn-cs"/>
+              </a:defRPr>
+            </a:lvl9pPr>
+          </a:lstStyle>
+          <a:p>
+            <a:fld id="{B9EAB3BA-07EE-4B64-A177-47C30D775877}" type="slidenum">
+              <a:rPr lang="en-US" smtClean="0"/>
+              <a:pPr/>
+              <a:t>‹Nr.›</a:t>
+            </a:fld>
+            <a:endParaRPr lang="en-US" dirty="0"/>
           </a:p>
         </p:txBody>
       </p:sp>
@@ -1723,7 +2003,6 @@
   <p:clrMapOvr>
     <a:masterClrMapping/>
   </p:clrMapOvr>
-  <p:hf sldNum="0" hdr="0" ftr="0" dt="0"/>
 </p:sldLayout>
 </file>
 
@@ -1928,9 +2207,9 @@
           <a:bodyPr/>
           <a:lstStyle/>
           <a:p>
-            <a:fld id="{8D4211C4-AE09-4254-A5E3-6DA9B099C971}" type="datetime2">
+            <a:fld id="{01A6DC8C-2F93-4B2A-988B-A7FF84875AAE}" type="datetime2">
               <a:rPr lang="en-US" smtClean="0"/>
-              <a:t>Thursday, November 12, 2020</a:t>
+              <a:t>Friday, November 13, 2020</a:t>
             </a:fld>
             <a:endParaRPr lang="en-US"/>
           </a:p>
@@ -1984,7 +2263,7 @@
           <a:p>
             <a:fld id="{B9EAB3BA-07EE-4B64-A177-47C30D775877}" type="slidenum">
               <a:rPr lang="en-US" smtClean="0"/>
-              <a:t>‹#›</a:t>
+              <a:t>‹Nr.›</a:t>
             </a:fld>
             <a:endParaRPr lang="en-US"/>
           </a:p>
@@ -2196,9 +2475,9 @@
           <a:bodyPr/>
           <a:lstStyle/>
           <a:p>
-            <a:fld id="{10076A27-8146-4F75-9851-A83577C6FD8A}" type="datetime2">
+            <a:fld id="{FB499224-7BC8-41FA-A7B4-8DE61E829C88}" type="datetime2">
               <a:rPr lang="en-US" smtClean="0"/>
-              <a:t>Thursday, November 12, 2020</a:t>
+              <a:t>Friday, November 13, 2020</a:t>
             </a:fld>
             <a:endParaRPr lang="en-US"/>
           </a:p>
@@ -2252,7 +2531,7 @@
           <a:p>
             <a:fld id="{B9EAB3BA-07EE-4B64-A177-47C30D775877}" type="slidenum">
               <a:rPr lang="en-US" smtClean="0"/>
-              <a:t>‹#›</a:t>
+              <a:t>‹Nr.›</a:t>
             </a:fld>
             <a:endParaRPr lang="en-US"/>
           </a:p>
@@ -2268,7 +2547,6 @@
   <p:clrMapOvr>
     <a:masterClrMapping/>
   </p:clrMapOvr>
-  <p:hf sldNum="0" hdr="0" ftr="0" dt="0"/>
 </p:sldLayout>
 </file>
 
@@ -2612,9 +2890,9 @@
           <a:bodyPr/>
           <a:lstStyle/>
           <a:p>
-            <a:fld id="{10076A27-8146-4F75-9851-A83577C6FD8A}" type="datetime2">
+            <a:fld id="{3A45AB7B-81B8-4716-A242-D8212FFF6224}" type="datetime2">
               <a:rPr lang="en-US" smtClean="0"/>
-              <a:t>Thursday, November 12, 2020</a:t>
+              <a:t>Friday, November 13, 2020</a:t>
             </a:fld>
             <a:endParaRPr lang="en-US"/>
           </a:p>
@@ -2668,7 +2946,7 @@
           <a:p>
             <a:fld id="{B9EAB3BA-07EE-4B64-A177-47C30D775877}" type="slidenum">
               <a:rPr lang="en-US" smtClean="0"/>
-              <a:t>‹#›</a:t>
+              <a:t>‹Nr.›</a:t>
             </a:fld>
             <a:endParaRPr lang="en-US"/>
           </a:p>
@@ -2684,7 +2962,6 @@
   <p:clrMapOvr>
     <a:masterClrMapping/>
   </p:clrMapOvr>
-  <p:hf sldNum="0" hdr="0" ftr="0" dt="0"/>
 </p:sldLayout>
 </file>
 
@@ -2755,9 +3032,9 @@
           <a:bodyPr/>
           <a:lstStyle/>
           <a:p>
-            <a:fld id="{BC8E3A0F-68E7-4D17-BB84-ED1BA4F6AC6B}" type="datetime2">
+            <a:fld id="{83EDA0D2-73CC-4CC7-9CA9-F462DAE269A7}" type="datetime2">
               <a:rPr lang="en-US" smtClean="0"/>
-              <a:t>Thursday, November 12, 2020</a:t>
+              <a:t>Friday, November 13, 2020</a:t>
             </a:fld>
             <a:endParaRPr lang="en-US"/>
           </a:p>
@@ -2811,7 +3088,7 @@
           <a:p>
             <a:fld id="{B9EAB3BA-07EE-4B64-A177-47C30D775877}" type="slidenum">
               <a:rPr lang="en-US" smtClean="0"/>
-              <a:t>‹#›</a:t>
+              <a:t>‹Nr.›</a:t>
             </a:fld>
             <a:endParaRPr lang="en-US"/>
           </a:p>
@@ -2868,9 +3145,9 @@
           <a:bodyPr/>
           <a:lstStyle/>
           <a:p>
-            <a:fld id="{EDB7BC4F-EDA1-4BA2-BFF3-FE5B31CCB58B}" type="datetime2">
+            <a:fld id="{D2F70160-9EBC-4B2B-A59F-06E7472A5FAA}" type="datetime2">
               <a:rPr lang="en-US" smtClean="0"/>
-              <a:t>Thursday, November 12, 2020</a:t>
+              <a:t>Friday, November 13, 2020</a:t>
             </a:fld>
             <a:endParaRPr lang="en-US"/>
           </a:p>
@@ -2924,7 +3201,7 @@
           <a:p>
             <a:fld id="{B9EAB3BA-07EE-4B64-A177-47C30D775877}" type="slidenum">
               <a:rPr lang="en-US" smtClean="0"/>
-              <a:t>‹#›</a:t>
+              <a:t>‹Nr.›</a:t>
             </a:fld>
             <a:endParaRPr lang="en-US"/>
           </a:p>
@@ -3181,9 +3458,9 @@
           <a:bodyPr/>
           <a:lstStyle/>
           <a:p>
-            <a:fld id="{10076A27-8146-4F75-9851-A83577C6FD8A}" type="datetime2">
+            <a:fld id="{AD448679-4C06-40EB-B790-0101BC7A7B28}" type="datetime2">
               <a:rPr lang="en-US" smtClean="0"/>
-              <a:t>Thursday, November 12, 2020</a:t>
+              <a:t>Friday, November 13, 2020</a:t>
             </a:fld>
             <a:endParaRPr lang="en-US"/>
           </a:p>
@@ -3237,7 +3514,7 @@
           <a:p>
             <a:fld id="{B9EAB3BA-07EE-4B64-A177-47C30D775877}" type="slidenum">
               <a:rPr lang="en-US" smtClean="0"/>
-              <a:t>‹#›</a:t>
+              <a:t>‹Nr.›</a:t>
             </a:fld>
             <a:endParaRPr lang="en-US"/>
           </a:p>
@@ -3253,7 +3530,6 @@
   <p:clrMapOvr>
     <a:masterClrMapping/>
   </p:clrMapOvr>
-  <p:hf sldNum="0" hdr="0" ftr="0" dt="0"/>
 </p:sldLayout>
 </file>
 
@@ -3471,9 +3747,9 @@
           <a:bodyPr/>
           <a:lstStyle/>
           <a:p>
-            <a:fld id="{10076A27-8146-4F75-9851-A83577C6FD8A}" type="datetime2">
+            <a:fld id="{305A7CC3-D21E-4647-BF1B-9F444EAEC2CF}" type="datetime2">
               <a:rPr lang="en-US" smtClean="0"/>
-              <a:t>Thursday, November 12, 2020</a:t>
+              <a:t>Friday, November 13, 2020</a:t>
             </a:fld>
             <a:endParaRPr lang="en-US"/>
           </a:p>
@@ -3527,7 +3803,7 @@
           <a:p>
             <a:fld id="{B9EAB3BA-07EE-4B64-A177-47C30D775877}" type="slidenum">
               <a:rPr lang="en-US" smtClean="0"/>
-              <a:t>‹#›</a:t>
+              <a:t>‹Nr.›</a:t>
             </a:fld>
             <a:endParaRPr lang="en-US"/>
           </a:p>
@@ -3543,7 +3819,6 @@
   <p:clrMapOvr>
     <a:masterClrMapping/>
   </p:clrMapOvr>
-  <p:hf sldNum="0" hdr="0" ftr="0" dt="0"/>
 </p:sldLayout>
 </file>
 
@@ -3715,9 +3990,9 @@
             </a:lvl1pPr>
           </a:lstStyle>
           <a:p>
-            <a:fld id="{10076A27-8146-4F75-9851-A83577C6FD8A}" type="datetime2">
+            <a:fld id="{9A2AD99F-0664-40A7-B28A-6F4BEA0DE340}" type="datetime2">
               <a:rPr lang="en-US" smtClean="0"/>
-              <a:t>Thursday, November 12, 2020</a:t>
+              <a:t>Friday, November 13, 2020</a:t>
             </a:fld>
             <a:endParaRPr lang="en-US"/>
           </a:p>
@@ -3807,7 +4082,7 @@
           <a:p>
             <a:fld id="{B9EAB3BA-07EE-4B64-A177-47C30D775877}" type="slidenum">
               <a:rPr lang="en-US" smtClean="0"/>
-              <a:t>‹#›</a:t>
+              <a:t>‹Nr.›</a:t>
             </a:fld>
             <a:endParaRPr lang="en-US"/>
           </a:p>
@@ -3834,7 +4109,7 @@
     <p:sldLayoutId id="2147484956" r:id="rId10"/>
     <p:sldLayoutId id="2147484957" r:id="rId11"/>
   </p:sldLayoutIdLst>
-  <p:hf sldNum="0" hdr="0" ftr="0" dt="0"/>
+  <p:hf hdr="0" ftr="0" dt="0"/>
   <p:txStyles>
     <p:titleStyle>
       <a:lvl1pPr algn="l" defTabSz="914400" rtl="0" eaLnBrk="1" latinLnBrk="0" hangingPunct="1">
@@ -7247,7 +7522,19 @@
               <a:rPr lang="de-DE" sz="1000">
                 <a:latin typeface="Roboto"/>
               </a:rPr>
-              <a:t>Klassendiagramm und UseCase Diagramme</a:t>
+              <a:t>Klassendiagramm und </a:t>
+            </a:r>
+            <a:r>
+              <a:rPr lang="de-DE" sz="1000" dirty="0" err="1">
+                <a:latin typeface="Roboto"/>
+              </a:rPr>
+              <a:t>UseCase</a:t>
+            </a:r>
+            <a:r>
+              <a:rPr lang="de-DE" sz="1000" dirty="0">
+                <a:latin typeface="Roboto"/>
+              </a:rPr>
+              <a:t> Diagramme</a:t>
             </a:r>
           </a:p>
         </p:txBody>
@@ -7665,6 +7952,35 @@
           </a:p>
         </p:txBody>
       </p:sp>
+      <p:sp>
+        <p:nvSpPr>
+          <p:cNvPr id="10" name="Foliennummernplatzhalter 9">
+            <a:extLst>
+              <a:ext uri="{FF2B5EF4-FFF2-40B4-BE49-F238E27FC236}">
+                <a16:creationId xmlns:a16="http://schemas.microsoft.com/office/drawing/2014/main" id="{347B9CEF-C9E6-4AA2-A4FB-81F252444E78}"/>
+              </a:ext>
+            </a:extLst>
+          </p:cNvPr>
+          <p:cNvSpPr>
+            <a:spLocks noGrp="1"/>
+          </p:cNvSpPr>
+          <p:nvPr>
+            <p:ph type="sldNum" sz="quarter" idx="12"/>
+          </p:nvPr>
+        </p:nvSpPr>
+        <p:spPr/>
+        <p:txBody>
+          <a:bodyPr/>
+          <a:lstStyle/>
+          <a:p>
+            <a:fld id="{B9EAB3BA-07EE-4B64-A177-47C30D775877}" type="slidenum">
+              <a:rPr lang="en-US" smtClean="0"/>
+              <a:t>10</a:t>
+            </a:fld>
+            <a:endParaRPr lang="en-US"/>
+          </a:p>
+        </p:txBody>
+      </p:sp>
     </p:spTree>
     <p:extLst>
       <p:ext uri="{BB962C8B-B14F-4D97-AF65-F5344CB8AC3E}">
@@ -9061,6 +9377,35 @@
           </a:extLst>
         </p:spPr>
       </p:pic>
+      <p:sp>
+        <p:nvSpPr>
+          <p:cNvPr id="11" name="Foliennummernplatzhalter 10">
+            <a:extLst>
+              <a:ext uri="{FF2B5EF4-FFF2-40B4-BE49-F238E27FC236}">
+                <a16:creationId xmlns:a16="http://schemas.microsoft.com/office/drawing/2014/main" id="{0F0D4F1C-6E9B-4055-96B1-5CC03A91F68E}"/>
+              </a:ext>
+            </a:extLst>
+          </p:cNvPr>
+          <p:cNvSpPr>
+            <a:spLocks noGrp="1"/>
+          </p:cNvSpPr>
+          <p:nvPr>
+            <p:ph type="sldNum" sz="quarter" idx="12"/>
+          </p:nvPr>
+        </p:nvSpPr>
+        <p:spPr/>
+        <p:txBody>
+          <a:bodyPr/>
+          <a:lstStyle/>
+          <a:p>
+            <a:fld id="{B9EAB3BA-07EE-4B64-A177-47C30D775877}" type="slidenum">
+              <a:rPr lang="en-US" smtClean="0"/>
+              <a:t>11</a:t>
+            </a:fld>
+            <a:endParaRPr lang="en-US"/>
+          </a:p>
+        </p:txBody>
+      </p:sp>
     </p:spTree>
     <p:extLst>
       <p:ext uri="{BB962C8B-B14F-4D97-AF65-F5344CB8AC3E}">
@@ -10581,6 +10926,35 @@
               </a:rPr>
               <a:t>About/Info Page</a:t>
             </a:r>
+            <a:endParaRPr lang="en-US"/>
+          </a:p>
+        </p:txBody>
+      </p:sp>
+      <p:sp>
+        <p:nvSpPr>
+          <p:cNvPr id="16" name="Foliennummernplatzhalter 15">
+            <a:extLst>
+              <a:ext uri="{FF2B5EF4-FFF2-40B4-BE49-F238E27FC236}">
+                <a16:creationId xmlns:a16="http://schemas.microsoft.com/office/drawing/2014/main" id="{54FF9B29-BCC0-4CF8-98FD-05ACE8BFC550}"/>
+              </a:ext>
+            </a:extLst>
+          </p:cNvPr>
+          <p:cNvSpPr>
+            <a:spLocks noGrp="1"/>
+          </p:cNvSpPr>
+          <p:nvPr>
+            <p:ph type="sldNum" sz="quarter" idx="12"/>
+          </p:nvPr>
+        </p:nvSpPr>
+        <p:spPr/>
+        <p:txBody>
+          <a:bodyPr/>
+          <a:lstStyle/>
+          <a:p>
+            <a:fld id="{B9EAB3BA-07EE-4B64-A177-47C30D775877}" type="slidenum">
+              <a:rPr lang="en-US" smtClean="0"/>
+              <a:t>12</a:t>
+            </a:fld>
             <a:endParaRPr lang="en-US"/>
           </a:p>
         </p:txBody>
@@ -11186,6 +11560,35 @@
           </a:p>
         </p:txBody>
       </p:sp>
+      <p:sp>
+        <p:nvSpPr>
+          <p:cNvPr id="12" name="Foliennummernplatzhalter 11">
+            <a:extLst>
+              <a:ext uri="{FF2B5EF4-FFF2-40B4-BE49-F238E27FC236}">
+                <a16:creationId xmlns:a16="http://schemas.microsoft.com/office/drawing/2014/main" id="{2906AA1E-983A-454F-8C1F-4E93661B8DD4}"/>
+              </a:ext>
+            </a:extLst>
+          </p:cNvPr>
+          <p:cNvSpPr>
+            <a:spLocks noGrp="1"/>
+          </p:cNvSpPr>
+          <p:nvPr>
+            <p:ph type="sldNum" sz="quarter" idx="12"/>
+          </p:nvPr>
+        </p:nvSpPr>
+        <p:spPr/>
+        <p:txBody>
+          <a:bodyPr/>
+          <a:lstStyle/>
+          <a:p>
+            <a:fld id="{B9EAB3BA-07EE-4B64-A177-47C30D775877}" type="slidenum">
+              <a:rPr lang="en-US" smtClean="0"/>
+              <a:t>13</a:t>
+            </a:fld>
+            <a:endParaRPr lang="en-US"/>
+          </a:p>
+        </p:txBody>
+      </p:sp>
     </p:spTree>
     <p:extLst>
       <p:ext uri="{BB962C8B-B14F-4D97-AF65-F5344CB8AC3E}">
@@ -11912,6 +12315,35 @@
           </a:p>
         </p:txBody>
       </p:sp>
+      <p:sp>
+        <p:nvSpPr>
+          <p:cNvPr id="10" name="Foliennummernplatzhalter 9">
+            <a:extLst>
+              <a:ext uri="{FF2B5EF4-FFF2-40B4-BE49-F238E27FC236}">
+                <a16:creationId xmlns:a16="http://schemas.microsoft.com/office/drawing/2014/main" id="{C1B3614A-A3AD-4C2A-9DE5-1270F345DD47}"/>
+              </a:ext>
+            </a:extLst>
+          </p:cNvPr>
+          <p:cNvSpPr>
+            <a:spLocks noGrp="1"/>
+          </p:cNvSpPr>
+          <p:nvPr>
+            <p:ph type="sldNum" sz="quarter" idx="12"/>
+          </p:nvPr>
+        </p:nvSpPr>
+        <p:spPr/>
+        <p:txBody>
+          <a:bodyPr/>
+          <a:lstStyle/>
+          <a:p>
+            <a:fld id="{B9EAB3BA-07EE-4B64-A177-47C30D775877}" type="slidenum">
+              <a:rPr lang="en-US" smtClean="0"/>
+              <a:t>14</a:t>
+            </a:fld>
+            <a:endParaRPr lang="en-US"/>
+          </a:p>
+        </p:txBody>
+      </p:sp>
     </p:spTree>
     <p:extLst>
       <p:ext uri="{BB962C8B-B14F-4D97-AF65-F5344CB8AC3E}">
@@ -12659,6 +13091,35 @@
           </a:p>
         </p:txBody>
       </p:sp>
+      <p:sp>
+        <p:nvSpPr>
+          <p:cNvPr id="10" name="Foliennummernplatzhalter 9">
+            <a:extLst>
+              <a:ext uri="{FF2B5EF4-FFF2-40B4-BE49-F238E27FC236}">
+                <a16:creationId xmlns:a16="http://schemas.microsoft.com/office/drawing/2014/main" id="{98A223B2-7621-4C4D-9643-AC7321708E2E}"/>
+              </a:ext>
+            </a:extLst>
+          </p:cNvPr>
+          <p:cNvSpPr>
+            <a:spLocks noGrp="1"/>
+          </p:cNvSpPr>
+          <p:nvPr>
+            <p:ph type="sldNum" sz="quarter" idx="12"/>
+          </p:nvPr>
+        </p:nvSpPr>
+        <p:spPr/>
+        <p:txBody>
+          <a:bodyPr/>
+          <a:lstStyle/>
+          <a:p>
+            <a:fld id="{B9EAB3BA-07EE-4B64-A177-47C30D775877}" type="slidenum">
+              <a:rPr lang="en-US" smtClean="0"/>
+              <a:t>15</a:t>
+            </a:fld>
+            <a:endParaRPr lang="en-US"/>
+          </a:p>
+        </p:txBody>
+      </p:sp>
     </p:spTree>
     <p:extLst>
       <p:ext uri="{BB962C8B-B14F-4D97-AF65-F5344CB8AC3E}">
@@ -12791,7 +13252,7 @@
               <a:buNone/>
             </a:pPr>
             <a:r>
-              <a:rPr kumimoji="0" lang="de-DE" altLang="de-DE" sz="1800" b="0" i="0" u="none" strike="noStrike" cap="none" normalizeH="0" baseline="0">
+              <a:rPr kumimoji="0" lang="de-DE" altLang="de-DE" sz="1800" b="0" i="0" u="none" strike="noStrike" cap="none" normalizeH="0" baseline="0" dirty="0">
                 <a:ln>
                   <a:noFill/>
                 </a:ln>
@@ -12804,7 +13265,7 @@
               <a:t>AML NoSQL Database Management	</a:t>
             </a:r>
             <a:r>
-              <a:rPr lang="de-DE">
+              <a:rPr lang="de-DE" dirty="0">
                 <a:solidFill>
                   <a:srgbClr val="F8F8F8"/>
                 </a:solidFill>
@@ -13259,6 +13720,35 @@
           </a:fontRef>
         </p:style>
       </p:cxnSp>
+      <p:sp>
+        <p:nvSpPr>
+          <p:cNvPr id="12" name="Foliennummernplatzhalter 11">
+            <a:extLst>
+              <a:ext uri="{FF2B5EF4-FFF2-40B4-BE49-F238E27FC236}">
+                <a16:creationId xmlns:a16="http://schemas.microsoft.com/office/drawing/2014/main" id="{0D6A5EA4-E1B8-447F-A730-B47015AD597E}"/>
+              </a:ext>
+            </a:extLst>
+          </p:cNvPr>
+          <p:cNvSpPr>
+            <a:spLocks noGrp="1"/>
+          </p:cNvSpPr>
+          <p:nvPr>
+            <p:ph type="sldNum" sz="quarter" idx="12"/>
+          </p:nvPr>
+        </p:nvSpPr>
+        <p:spPr/>
+        <p:txBody>
+          <a:bodyPr/>
+          <a:lstStyle/>
+          <a:p>
+            <a:fld id="{B9EAB3BA-07EE-4B64-A177-47C30D775877}" type="slidenum">
+              <a:rPr lang="en-US" smtClean="0"/>
+              <a:t>16</a:t>
+            </a:fld>
+            <a:endParaRPr lang="en-US" dirty="0"/>
+          </a:p>
+        </p:txBody>
+      </p:sp>
     </p:spTree>
     <p:extLst>
       <p:ext uri="{BB962C8B-B14F-4D97-AF65-F5344CB8AC3E}">
@@ -13956,6 +14446,35 @@
           </a:p>
         </p:txBody>
       </p:sp>
+      <p:sp>
+        <p:nvSpPr>
+          <p:cNvPr id="8" name="Foliennummernplatzhalter 7">
+            <a:extLst>
+              <a:ext uri="{FF2B5EF4-FFF2-40B4-BE49-F238E27FC236}">
+                <a16:creationId xmlns:a16="http://schemas.microsoft.com/office/drawing/2014/main" id="{3F0E4EBE-52B2-489A-982A-2138A2C6526C}"/>
+              </a:ext>
+            </a:extLst>
+          </p:cNvPr>
+          <p:cNvSpPr>
+            <a:spLocks noGrp="1"/>
+          </p:cNvSpPr>
+          <p:nvPr>
+            <p:ph type="sldNum" sz="quarter" idx="12"/>
+          </p:nvPr>
+        </p:nvSpPr>
+        <p:spPr/>
+        <p:txBody>
+          <a:bodyPr/>
+          <a:lstStyle/>
+          <a:p>
+            <a:fld id="{B9EAB3BA-07EE-4B64-A177-47C30D775877}" type="slidenum">
+              <a:rPr lang="en-US" smtClean="0"/>
+              <a:t>17</a:t>
+            </a:fld>
+            <a:endParaRPr lang="en-US"/>
+          </a:p>
+        </p:txBody>
+      </p:sp>
     </p:spTree>
     <p:extLst>
       <p:ext uri="{BB962C8B-B14F-4D97-AF65-F5344CB8AC3E}">
@@ -14550,6 +15069,35 @@
           </a:p>
         </p:txBody>
       </p:sp>
+      <p:sp>
+        <p:nvSpPr>
+          <p:cNvPr id="12" name="Foliennummernplatzhalter 11">
+            <a:extLst>
+              <a:ext uri="{FF2B5EF4-FFF2-40B4-BE49-F238E27FC236}">
+                <a16:creationId xmlns:a16="http://schemas.microsoft.com/office/drawing/2014/main" id="{DA4B7851-40AB-4577-9614-4FE2DBEFFEF2}"/>
+              </a:ext>
+            </a:extLst>
+          </p:cNvPr>
+          <p:cNvSpPr>
+            <a:spLocks noGrp="1"/>
+          </p:cNvSpPr>
+          <p:nvPr>
+            <p:ph type="sldNum" sz="quarter" idx="12"/>
+          </p:nvPr>
+        </p:nvSpPr>
+        <p:spPr/>
+        <p:txBody>
+          <a:bodyPr/>
+          <a:lstStyle/>
+          <a:p>
+            <a:fld id="{B9EAB3BA-07EE-4B64-A177-47C30D775877}" type="slidenum">
+              <a:rPr lang="en-US" smtClean="0"/>
+              <a:t>18</a:t>
+            </a:fld>
+            <a:endParaRPr lang="en-US"/>
+          </a:p>
+        </p:txBody>
+      </p:sp>
     </p:spTree>
     <p:extLst>
       <p:ext uri="{BB962C8B-B14F-4D97-AF65-F5344CB8AC3E}">
@@ -14682,7 +15230,7 @@
               <a:buNone/>
             </a:pPr>
             <a:r>
-              <a:rPr kumimoji="0" lang="de-DE" altLang="de-DE" sz="1800" b="0" i="0" u="none" strike="noStrike" cap="none" normalizeH="0" baseline="0">
+              <a:rPr kumimoji="0" lang="de-DE" altLang="de-DE" sz="1800" b="0" i="0" u="none" strike="noStrike" cap="none" normalizeH="0" baseline="0" dirty="0">
                 <a:ln>
                   <a:noFill/>
                 </a:ln>
@@ -14695,7 +15243,7 @@
               <a:t>AML NoSQL Database Management	</a:t>
             </a:r>
             <a:r>
-              <a:rPr lang="de-DE">
+              <a:rPr lang="de-DE" dirty="0">
                 <a:solidFill>
                   <a:srgbClr val="F8F8F8"/>
                 </a:solidFill>
@@ -15214,6 +15762,35 @@
               <a:t>Aufbau</a:t>
             </a:r>
             <a:endParaRPr lang="de-DE"/>
+          </a:p>
+        </p:txBody>
+      </p:sp>
+      <p:sp>
+        <p:nvSpPr>
+          <p:cNvPr id="11" name="Foliennummernplatzhalter 10">
+            <a:extLst>
+              <a:ext uri="{FF2B5EF4-FFF2-40B4-BE49-F238E27FC236}">
+                <a16:creationId xmlns:a16="http://schemas.microsoft.com/office/drawing/2014/main" id="{DB362F01-4EFE-4642-854A-59D9CDE5108D}"/>
+              </a:ext>
+            </a:extLst>
+          </p:cNvPr>
+          <p:cNvSpPr>
+            <a:spLocks noGrp="1"/>
+          </p:cNvSpPr>
+          <p:nvPr>
+            <p:ph type="sldNum" sz="quarter" idx="12"/>
+          </p:nvPr>
+        </p:nvSpPr>
+        <p:spPr/>
+        <p:txBody>
+          <a:bodyPr/>
+          <a:lstStyle/>
+          <a:p>
+            <a:fld id="{B9EAB3BA-07EE-4B64-A177-47C30D775877}" type="slidenum">
+              <a:rPr lang="en-US" smtClean="0"/>
+              <a:t>2</a:t>
+            </a:fld>
+            <a:endParaRPr lang="en-US"/>
           </a:p>
         </p:txBody>
       </p:sp>
@@ -16218,6 +16795,35 @@
           </a:p>
         </p:txBody>
       </p:sp>
+      <p:sp>
+        <p:nvSpPr>
+          <p:cNvPr id="10" name="Foliennummernplatzhalter 9">
+            <a:extLst>
+              <a:ext uri="{FF2B5EF4-FFF2-40B4-BE49-F238E27FC236}">
+                <a16:creationId xmlns:a16="http://schemas.microsoft.com/office/drawing/2014/main" id="{CBD90674-C808-49D0-8595-C47B2099B3A7}"/>
+              </a:ext>
+            </a:extLst>
+          </p:cNvPr>
+          <p:cNvSpPr>
+            <a:spLocks noGrp="1"/>
+          </p:cNvSpPr>
+          <p:nvPr>
+            <p:ph type="sldNum" sz="quarter" idx="12"/>
+          </p:nvPr>
+        </p:nvSpPr>
+        <p:spPr/>
+        <p:txBody>
+          <a:bodyPr/>
+          <a:lstStyle/>
+          <a:p>
+            <a:fld id="{B9EAB3BA-07EE-4B64-A177-47C30D775877}" type="slidenum">
+              <a:rPr lang="en-US" smtClean="0"/>
+              <a:t>3</a:t>
+            </a:fld>
+            <a:endParaRPr lang="en-US"/>
+          </a:p>
+        </p:txBody>
+      </p:sp>
     </p:spTree>
     <p:extLst>
       <p:ext uri="{BB962C8B-B14F-4D97-AF65-F5344CB8AC3E}">
@@ -17507,6 +18113,35 @@
           </a:p>
         </p:txBody>
       </p:sp>
+      <p:sp>
+        <p:nvSpPr>
+          <p:cNvPr id="6" name="Foliennummernplatzhalter 5">
+            <a:extLst>
+              <a:ext uri="{FF2B5EF4-FFF2-40B4-BE49-F238E27FC236}">
+                <a16:creationId xmlns:a16="http://schemas.microsoft.com/office/drawing/2014/main" id="{1E7C56B7-8E49-4B96-91DF-ADD71F476AF1}"/>
+              </a:ext>
+            </a:extLst>
+          </p:cNvPr>
+          <p:cNvSpPr>
+            <a:spLocks noGrp="1"/>
+          </p:cNvSpPr>
+          <p:nvPr>
+            <p:ph type="sldNum" sz="quarter" idx="12"/>
+          </p:nvPr>
+        </p:nvSpPr>
+        <p:spPr/>
+        <p:txBody>
+          <a:bodyPr/>
+          <a:lstStyle/>
+          <a:p>
+            <a:fld id="{B9EAB3BA-07EE-4B64-A177-47C30D775877}" type="slidenum">
+              <a:rPr lang="en-US" smtClean="0"/>
+              <a:t>4</a:t>
+            </a:fld>
+            <a:endParaRPr lang="en-US"/>
+          </a:p>
+        </p:txBody>
+      </p:sp>
     </p:spTree>
     <p:extLst>
       <p:ext uri="{BB962C8B-B14F-4D97-AF65-F5344CB8AC3E}">
@@ -18555,6 +19190,35 @@
           </a:p>
         </p:txBody>
       </p:sp>
+      <p:sp>
+        <p:nvSpPr>
+          <p:cNvPr id="17" name="Foliennummernplatzhalter 16">
+            <a:extLst>
+              <a:ext uri="{FF2B5EF4-FFF2-40B4-BE49-F238E27FC236}">
+                <a16:creationId xmlns:a16="http://schemas.microsoft.com/office/drawing/2014/main" id="{79C18123-4E84-46EC-998C-2A725EFCD520}"/>
+              </a:ext>
+            </a:extLst>
+          </p:cNvPr>
+          <p:cNvSpPr>
+            <a:spLocks noGrp="1"/>
+          </p:cNvSpPr>
+          <p:nvPr>
+            <p:ph type="sldNum" sz="quarter" idx="12"/>
+          </p:nvPr>
+        </p:nvSpPr>
+        <p:spPr/>
+        <p:txBody>
+          <a:bodyPr/>
+          <a:lstStyle/>
+          <a:p>
+            <a:fld id="{B9EAB3BA-07EE-4B64-A177-47C30D775877}" type="slidenum">
+              <a:rPr lang="en-US" smtClean="0"/>
+              <a:t>5</a:t>
+            </a:fld>
+            <a:endParaRPr lang="en-US"/>
+          </a:p>
+        </p:txBody>
+      </p:sp>
     </p:spTree>
     <p:extLst>
       <p:ext uri="{BB962C8B-B14F-4D97-AF65-F5344CB8AC3E}">
@@ -19911,6 +20575,35 @@
           </a:p>
         </p:txBody>
       </p:sp>
+      <p:sp>
+        <p:nvSpPr>
+          <p:cNvPr id="20" name="Foliennummernplatzhalter 19">
+            <a:extLst>
+              <a:ext uri="{FF2B5EF4-FFF2-40B4-BE49-F238E27FC236}">
+                <a16:creationId xmlns:a16="http://schemas.microsoft.com/office/drawing/2014/main" id="{F655B5C8-D93A-4123-A85E-4EAD7959929E}"/>
+              </a:ext>
+            </a:extLst>
+          </p:cNvPr>
+          <p:cNvSpPr>
+            <a:spLocks noGrp="1"/>
+          </p:cNvSpPr>
+          <p:nvPr>
+            <p:ph type="sldNum" sz="quarter" idx="12"/>
+          </p:nvPr>
+        </p:nvSpPr>
+        <p:spPr/>
+        <p:txBody>
+          <a:bodyPr/>
+          <a:lstStyle/>
+          <a:p>
+            <a:fld id="{B9EAB3BA-07EE-4B64-A177-47C30D775877}" type="slidenum">
+              <a:rPr lang="en-US" smtClean="0"/>
+              <a:t>6</a:t>
+            </a:fld>
+            <a:endParaRPr lang="en-US"/>
+          </a:p>
+        </p:txBody>
+      </p:sp>
     </p:spTree>
     <p:extLst>
       <p:ext uri="{BB962C8B-B14F-4D97-AF65-F5344CB8AC3E}">
@@ -19925,6 +20618,888 @@
 </file>
 
 <file path=ppt/slides/slide7.xml><?xml version="1.0" encoding="utf-8"?>
+<p:sld xmlns:a="http://schemas.openxmlformats.org/drawingml/2006/main" xmlns:r="http://schemas.openxmlformats.org/officeDocument/2006/relationships" xmlns:p="http://schemas.openxmlformats.org/presentationml/2006/main">
+  <p:cSld>
+    <p:spTree>
+      <p:nvGrpSpPr>
+        <p:cNvPr id="1" name=""/>
+        <p:cNvGrpSpPr/>
+        <p:nvPr/>
+      </p:nvGrpSpPr>
+      <p:grpSpPr>
+        <a:xfrm>
+          <a:off x="0" y="0"/>
+          <a:ext cx="0" cy="0"/>
+          <a:chOff x="0" y="0"/>
+          <a:chExt cx="0" cy="0"/>
+        </a:xfrm>
+      </p:grpSpPr>
+      <p:sp>
+        <p:nvSpPr>
+          <p:cNvPr id="9" name="Rectangle 8">
+            <a:extLst>
+              <a:ext uri="{FF2B5EF4-FFF2-40B4-BE49-F238E27FC236}">
+                <a16:creationId xmlns:a16="http://schemas.microsoft.com/office/drawing/2014/main" id="{32BABF7B-639D-4043-B980-5AE86FFD09C5}"/>
+              </a:ext>
+            </a:extLst>
+          </p:cNvPr>
+          <p:cNvSpPr/>
+          <p:nvPr/>
+        </p:nvSpPr>
+        <p:spPr>
+          <a:xfrm>
+            <a:off x="0" y="-3511"/>
+            <a:ext cx="12192000" cy="522765"/>
+          </a:xfrm>
+          <a:prstGeom prst="rect">
+            <a:avLst/>
+          </a:prstGeom>
+          <a:solidFill>
+            <a:srgbClr val="EC7102"/>
+          </a:solidFill>
+          <a:ln>
+            <a:solidFill>
+              <a:srgbClr val="EC7102"/>
+            </a:solidFill>
+          </a:ln>
+        </p:spPr>
+        <p:style>
+          <a:lnRef idx="2">
+            <a:schemeClr val="accent1">
+              <a:shade val="50000"/>
+            </a:schemeClr>
+          </a:lnRef>
+          <a:fillRef idx="1">
+            <a:schemeClr val="accent1"/>
+          </a:fillRef>
+          <a:effectRef idx="0">
+            <a:schemeClr val="accent1"/>
+          </a:effectRef>
+          <a:fontRef idx="minor">
+            <a:schemeClr val="lt1"/>
+          </a:fontRef>
+        </p:style>
+        <p:txBody>
+          <a:bodyPr rtlCol="0" anchor="ctr"/>
+          <a:lstStyle/>
+          <a:p>
+            <a:pPr algn="ctr"/>
+            <a:endParaRPr lang="de-DE"/>
+          </a:p>
+        </p:txBody>
+      </p:sp>
+      <p:sp>
+        <p:nvSpPr>
+          <p:cNvPr id="7" name="Rectangle 6">
+            <a:extLst>
+              <a:ext uri="{FF2B5EF4-FFF2-40B4-BE49-F238E27FC236}">
+                <a16:creationId xmlns:a16="http://schemas.microsoft.com/office/drawing/2014/main" id="{7364B271-291D-4122-B1AB-74F1FBAA161E}"/>
+              </a:ext>
+            </a:extLst>
+          </p:cNvPr>
+          <p:cNvSpPr/>
+          <p:nvPr/>
+        </p:nvSpPr>
+        <p:spPr>
+          <a:xfrm>
+            <a:off x="0" y="6340730"/>
+            <a:ext cx="12247620" cy="517270"/>
+          </a:xfrm>
+          <a:prstGeom prst="rect">
+            <a:avLst/>
+          </a:prstGeom>
+          <a:solidFill>
+            <a:srgbClr val="6D7173"/>
+          </a:solidFill>
+        </p:spPr>
+        <p:style>
+          <a:lnRef idx="2">
+            <a:schemeClr val="accent1">
+              <a:shade val="50000"/>
+            </a:schemeClr>
+          </a:lnRef>
+          <a:fillRef idx="1">
+            <a:schemeClr val="accent1"/>
+          </a:fillRef>
+          <a:effectRef idx="0">
+            <a:schemeClr val="accent1"/>
+          </a:effectRef>
+          <a:fontRef idx="minor">
+            <a:schemeClr val="lt1"/>
+          </a:fontRef>
+        </p:style>
+        <p:txBody>
+          <a:bodyPr rtlCol="0" anchor="ctr"/>
+          <a:lstStyle/>
+          <a:p>
+            <a:pPr marL="0" indent="0">
+              <a:buNone/>
+            </a:pPr>
+            <a:r>
+              <a:rPr kumimoji="0" lang="de-DE" altLang="de-DE" sz="1800" b="0" i="0" u="none" strike="noStrike" cap="none" normalizeH="0" baseline="0">
+                <a:ln>
+                  <a:noFill/>
+                </a:ln>
+                <a:solidFill>
+                  <a:srgbClr val="F8F8F8"/>
+                </a:solidFill>
+                <a:effectLst/>
+                <a:latin typeface="Roboto"/>
+              </a:rPr>
+              <a:t>AML NoSQL Database Management	</a:t>
+            </a:r>
+            <a:r>
+              <a:rPr lang="de-DE">
+                <a:solidFill>
+                  <a:srgbClr val="F8F8F8"/>
+                </a:solidFill>
+              </a:rPr>
+              <a:t>						Team 5 – TINF19C</a:t>
+            </a:r>
+          </a:p>
+        </p:txBody>
+      </p:sp>
+      <p:sp>
+        <p:nvSpPr>
+          <p:cNvPr id="8" name="Rectangle 3">
+            <a:extLst>
+              <a:ext uri="{FF2B5EF4-FFF2-40B4-BE49-F238E27FC236}">
+                <a16:creationId xmlns:a16="http://schemas.microsoft.com/office/drawing/2014/main" id="{86AB94F5-EC09-4CDC-9C1D-01478F5665BB}"/>
+              </a:ext>
+            </a:extLst>
+          </p:cNvPr>
+          <p:cNvSpPr>
+            <a:spLocks noChangeArrowheads="1"/>
+          </p:cNvSpPr>
+          <p:nvPr/>
+        </p:nvSpPr>
+        <p:spPr bwMode="auto">
+          <a:xfrm>
+            <a:off x="0" y="-323165"/>
+            <a:ext cx="184731" cy="646331"/>
+          </a:xfrm>
+          <a:prstGeom prst="rect">
+            <a:avLst/>
+          </a:prstGeom>
+          <a:noFill/>
+          <a:ln>
+            <a:noFill/>
+          </a:ln>
+          <a:effectLst/>
+          <a:extLst>
+            <a:ext uri="{909E8E84-426E-40DD-AFC4-6F175D3DCCD1}">
+              <a14:hiddenFill xmlns:a14="http://schemas.microsoft.com/office/drawing/2010/main">
+                <a:solidFill>
+                  <a:schemeClr val="accent1"/>
+                </a:solidFill>
+              </a14:hiddenFill>
+            </a:ext>
+            <a:ext uri="{91240B29-F687-4F45-9708-019B960494DF}">
+              <a14:hiddenLine xmlns:a14="http://schemas.microsoft.com/office/drawing/2010/main" w="9525">
+                <a:solidFill>
+                  <a:schemeClr val="tx1"/>
+                </a:solidFill>
+                <a:miter lim="800000"/>
+                <a:headEnd/>
+                <a:tailEnd/>
+              </a14:hiddenLine>
+            </a:ext>
+            <a:ext uri="{AF507438-7753-43E0-B8FC-AC1667EBCBE1}">
+              <a14:hiddenEffects xmlns:a14="http://schemas.microsoft.com/office/drawing/2010/main">
+                <a:effectLst>
+                  <a:outerShdw dist="35921" dir="2700000" algn="ctr" rotWithShape="0">
+                    <a:schemeClr val="bg2"/>
+                  </a:outerShdw>
+                </a:effectLst>
+              </a14:hiddenEffects>
+            </a:ext>
+          </a:extLst>
+        </p:spPr>
+        <p:txBody>
+          <a:bodyPr vert="horz" wrap="none" lIns="91440" tIns="45720" rIns="91440" bIns="45720" numCol="1" anchor="ctr" anchorCtr="0" compatLnSpc="1">
+            <a:prstTxWarp prst="textNoShape">
+              <a:avLst/>
+            </a:prstTxWarp>
+            <a:spAutoFit/>
+          </a:bodyPr>
+          <a:lstStyle>
+            <a:lvl1pPr eaLnBrk="0" fontAlgn="base" hangingPunct="0">
+              <a:spcBef>
+                <a:spcPct val="0"/>
+              </a:spcBef>
+              <a:spcAft>
+                <a:spcPct val="0"/>
+              </a:spcAft>
+              <a:defRPr>
+                <a:solidFill>
+                  <a:schemeClr val="tx1"/>
+                </a:solidFill>
+                <a:latin typeface="Arial" panose="020B0604020202020204" pitchFamily="34" charset="0"/>
+              </a:defRPr>
+            </a:lvl1pPr>
+            <a:lvl2pPr eaLnBrk="0" fontAlgn="base" hangingPunct="0">
+              <a:spcBef>
+                <a:spcPct val="0"/>
+              </a:spcBef>
+              <a:spcAft>
+                <a:spcPct val="0"/>
+              </a:spcAft>
+              <a:defRPr>
+                <a:solidFill>
+                  <a:schemeClr val="tx1"/>
+                </a:solidFill>
+                <a:latin typeface="Arial" panose="020B0604020202020204" pitchFamily="34" charset="0"/>
+              </a:defRPr>
+            </a:lvl2pPr>
+            <a:lvl3pPr eaLnBrk="0" fontAlgn="base" hangingPunct="0">
+              <a:spcBef>
+                <a:spcPct val="0"/>
+              </a:spcBef>
+              <a:spcAft>
+                <a:spcPct val="0"/>
+              </a:spcAft>
+              <a:defRPr>
+                <a:solidFill>
+                  <a:schemeClr val="tx1"/>
+                </a:solidFill>
+                <a:latin typeface="Arial" panose="020B0604020202020204" pitchFamily="34" charset="0"/>
+              </a:defRPr>
+            </a:lvl3pPr>
+            <a:lvl4pPr eaLnBrk="0" fontAlgn="base" hangingPunct="0">
+              <a:spcBef>
+                <a:spcPct val="0"/>
+              </a:spcBef>
+              <a:spcAft>
+                <a:spcPct val="0"/>
+              </a:spcAft>
+              <a:defRPr>
+                <a:solidFill>
+                  <a:schemeClr val="tx1"/>
+                </a:solidFill>
+                <a:latin typeface="Arial" panose="020B0604020202020204" pitchFamily="34" charset="0"/>
+              </a:defRPr>
+            </a:lvl4pPr>
+            <a:lvl5pPr eaLnBrk="0" fontAlgn="base" hangingPunct="0">
+              <a:spcBef>
+                <a:spcPct val="0"/>
+              </a:spcBef>
+              <a:spcAft>
+                <a:spcPct val="0"/>
+              </a:spcAft>
+              <a:defRPr>
+                <a:solidFill>
+                  <a:schemeClr val="tx1"/>
+                </a:solidFill>
+                <a:latin typeface="Arial" panose="020B0604020202020204" pitchFamily="34" charset="0"/>
+              </a:defRPr>
+            </a:lvl5pPr>
+            <a:lvl6pPr eaLnBrk="0" fontAlgn="base" hangingPunct="0">
+              <a:spcBef>
+                <a:spcPct val="0"/>
+              </a:spcBef>
+              <a:spcAft>
+                <a:spcPct val="0"/>
+              </a:spcAft>
+              <a:defRPr>
+                <a:solidFill>
+                  <a:schemeClr val="tx1"/>
+                </a:solidFill>
+                <a:latin typeface="Arial" panose="020B0604020202020204" pitchFamily="34" charset="0"/>
+              </a:defRPr>
+            </a:lvl6pPr>
+            <a:lvl7pPr eaLnBrk="0" fontAlgn="base" hangingPunct="0">
+              <a:spcBef>
+                <a:spcPct val="0"/>
+              </a:spcBef>
+              <a:spcAft>
+                <a:spcPct val="0"/>
+              </a:spcAft>
+              <a:defRPr>
+                <a:solidFill>
+                  <a:schemeClr val="tx1"/>
+                </a:solidFill>
+                <a:latin typeface="Arial" panose="020B0604020202020204" pitchFamily="34" charset="0"/>
+              </a:defRPr>
+            </a:lvl7pPr>
+            <a:lvl8pPr eaLnBrk="0" fontAlgn="base" hangingPunct="0">
+              <a:spcBef>
+                <a:spcPct val="0"/>
+              </a:spcBef>
+              <a:spcAft>
+                <a:spcPct val="0"/>
+              </a:spcAft>
+              <a:defRPr>
+                <a:solidFill>
+                  <a:schemeClr val="tx1"/>
+                </a:solidFill>
+                <a:latin typeface="Arial" panose="020B0604020202020204" pitchFamily="34" charset="0"/>
+              </a:defRPr>
+            </a:lvl8pPr>
+            <a:lvl9pPr eaLnBrk="0" fontAlgn="base" hangingPunct="0">
+              <a:spcBef>
+                <a:spcPct val="0"/>
+              </a:spcBef>
+              <a:spcAft>
+                <a:spcPct val="0"/>
+              </a:spcAft>
+              <a:defRPr>
+                <a:solidFill>
+                  <a:schemeClr val="tx1"/>
+                </a:solidFill>
+                <a:latin typeface="Arial" panose="020B0604020202020204" pitchFamily="34" charset="0"/>
+              </a:defRPr>
+            </a:lvl9pPr>
+          </a:lstStyle>
+          <a:p>
+            <a:pPr marL="0" marR="0" lvl="0" indent="0" algn="l" defTabSz="914400" rtl="0" eaLnBrk="0" fontAlgn="base" latinLnBrk="0" hangingPunct="0">
+              <a:lnSpc>
+                <a:spcPct val="100000"/>
+              </a:lnSpc>
+              <a:spcBef>
+                <a:spcPct val="0"/>
+              </a:spcBef>
+              <a:spcAft>
+                <a:spcPct val="0"/>
+              </a:spcAft>
+              <a:buClrTx/>
+              <a:buSzTx/>
+              <a:buFontTx/>
+              <a:buNone/>
+              <a:tabLst/>
+            </a:pPr>
+            <a:br>
+              <a:rPr kumimoji="0" lang="de-DE" altLang="de-DE" sz="1800" b="0" i="0" u="none" strike="noStrike" cap="none" normalizeH="0" baseline="0">
+                <a:ln>
+                  <a:noFill/>
+                </a:ln>
+                <a:solidFill>
+                  <a:schemeClr val="tx1"/>
+                </a:solidFill>
+                <a:effectLst/>
+                <a:latin typeface="Arial" panose="020B0604020202020204" pitchFamily="34" charset="0"/>
+              </a:rPr>
+            </a:br>
+            <a:endParaRPr kumimoji="0" lang="de-DE" altLang="de-DE" sz="1800" b="0" i="0" u="none" strike="noStrike" cap="none" normalizeH="0" baseline="0">
+              <a:ln>
+                <a:noFill/>
+              </a:ln>
+              <a:solidFill>
+                <a:schemeClr val="tx1"/>
+              </a:solidFill>
+              <a:effectLst/>
+              <a:latin typeface="Arial" panose="020B0604020202020204" pitchFamily="34" charset="0"/>
+            </a:endParaRPr>
+          </a:p>
+        </p:txBody>
+      </p:sp>
+      <p:sp>
+        <p:nvSpPr>
+          <p:cNvPr id="14" name="TextBox 13">
+            <a:extLst>
+              <a:ext uri="{FF2B5EF4-FFF2-40B4-BE49-F238E27FC236}">
+                <a16:creationId xmlns:a16="http://schemas.microsoft.com/office/drawing/2014/main" id="{690320E7-7A66-45F8-AD2C-1744CA4D7332}"/>
+              </a:ext>
+            </a:extLst>
+          </p:cNvPr>
+          <p:cNvSpPr txBox="1"/>
+          <p:nvPr/>
+        </p:nvSpPr>
+        <p:spPr>
+          <a:xfrm>
+            <a:off x="184731" y="113466"/>
+            <a:ext cx="4827783" cy="367095"/>
+          </a:xfrm>
+          <a:prstGeom prst="rect">
+            <a:avLst/>
+          </a:prstGeom>
+          <a:noFill/>
+        </p:spPr>
+        <p:txBody>
+          <a:bodyPr wrap="square" rtlCol="0">
+            <a:spAutoFit/>
+          </a:bodyPr>
+          <a:lstStyle/>
+          <a:p>
+            <a:r>
+              <a:rPr kumimoji="0" lang="de-DE" altLang="de-DE" sz="1800" b="0" i="0" u="none" strike="noStrike" cap="none" normalizeH="0" baseline="0">
+                <a:ln>
+                  <a:noFill/>
+                </a:ln>
+                <a:solidFill>
+                  <a:srgbClr val="F8F8F8"/>
+                </a:solidFill>
+                <a:effectLst/>
+                <a:latin typeface="Roboto"/>
+              </a:rPr>
+              <a:t>Anforderungen</a:t>
+            </a:r>
+            <a:endParaRPr lang="de-DE"/>
+          </a:p>
+        </p:txBody>
+      </p:sp>
+      <p:graphicFrame>
+        <p:nvGraphicFramePr>
+          <p:cNvPr id="6" name="Table 14">
+            <a:extLst>
+              <a:ext uri="{FF2B5EF4-FFF2-40B4-BE49-F238E27FC236}">
+                <a16:creationId xmlns:a16="http://schemas.microsoft.com/office/drawing/2014/main" id="{B1CDA597-8484-406D-B850-8F15699FE09D}"/>
+              </a:ext>
+            </a:extLst>
+          </p:cNvPr>
+          <p:cNvGraphicFramePr>
+            <a:graphicFrameLocks noGrp="1"/>
+          </p:cNvGraphicFramePr>
+          <p:nvPr>
+            <p:extLst>
+              <p:ext uri="{D42A27DB-BD31-4B8C-83A1-F6EECF244321}">
+                <p14:modId xmlns:p14="http://schemas.microsoft.com/office/powerpoint/2010/main" val="725381208"/>
+              </p:ext>
+            </p:extLst>
+          </p:nvPr>
+        </p:nvGraphicFramePr>
+        <p:xfrm>
+          <a:off x="1701985" y="2296744"/>
+          <a:ext cx="8115393" cy="2494280"/>
+        </p:xfrm>
+        <a:graphic>
+          <a:graphicData uri="http://schemas.openxmlformats.org/drawingml/2006/table">
+            <a:tbl>
+              <a:tblPr firstRow="1" bandRow="1">
+                <a:tableStyleId>{21E4AEA4-8DFA-4A89-87EB-49C32662AFE0}</a:tableStyleId>
+              </a:tblPr>
+              <a:tblGrid>
+                <a:gridCol w="4051393">
+                  <a:extLst>
+                    <a:ext uri="{9D8B030D-6E8A-4147-A177-3AD203B41FA5}">
+                      <a16:colId xmlns:a16="http://schemas.microsoft.com/office/drawing/2014/main" val="654961789"/>
+                    </a:ext>
+                  </a:extLst>
+                </a:gridCol>
+                <a:gridCol w="4064000">
+                  <a:extLst>
+                    <a:ext uri="{9D8B030D-6E8A-4147-A177-3AD203B41FA5}">
+                      <a16:colId xmlns:a16="http://schemas.microsoft.com/office/drawing/2014/main" val="751484639"/>
+                    </a:ext>
+                  </a:extLst>
+                </a:gridCol>
+              </a:tblGrid>
+              <a:tr h="370840">
+                <a:tc>
+                  <a:txBody>
+                    <a:bodyPr/>
+                    <a:lstStyle/>
+                    <a:p>
+                      <a:r>
+                        <a:rPr lang="de-DE">
+                          <a:latin typeface="Roboto"/>
+                        </a:rPr>
+                        <a:t>Mandatory</a:t>
+                      </a:r>
+                    </a:p>
+                  </a:txBody>
+                  <a:tcPr/>
+                </a:tc>
+                <a:tc>
+                  <a:txBody>
+                    <a:bodyPr/>
+                    <a:lstStyle/>
+                    <a:p>
+                      <a:r>
+                        <a:rPr lang="de-DE">
+                          <a:latin typeface="Roboto"/>
+                        </a:rPr>
+                        <a:t>Optional</a:t>
+                      </a:r>
+                    </a:p>
+                  </a:txBody>
+                  <a:tcPr/>
+                </a:tc>
+                <a:extLst>
+                  <a:ext uri="{0D108BD9-81ED-4DB2-BD59-A6C34878D82A}">
+                    <a16:rowId xmlns:a16="http://schemas.microsoft.com/office/drawing/2014/main" val="968452853"/>
+                  </a:ext>
+                </a:extLst>
+              </a:tr>
+              <a:tr h="370840">
+                <a:tc>
+                  <a:txBody>
+                    <a:bodyPr/>
+                    <a:lstStyle/>
+                    <a:p>
+                      <a:pPr marL="0" marR="0" lvl="0" indent="0" algn="l" defTabSz="914400" rtl="0" eaLnBrk="1" fontAlgn="auto" latinLnBrk="0" hangingPunct="1">
+                        <a:lnSpc>
+                          <a:spcPct val="100000"/>
+                        </a:lnSpc>
+                        <a:spcBef>
+                          <a:spcPts val="0"/>
+                        </a:spcBef>
+                        <a:spcAft>
+                          <a:spcPts val="0"/>
+                        </a:spcAft>
+                        <a:buClrTx/>
+                        <a:buSzTx/>
+                        <a:buFontTx/>
+                        <a:buNone/>
+                        <a:tabLst/>
+                        <a:defRPr/>
+                      </a:pPr>
+                      <a:r>
+                        <a:rPr lang="de-DE" b="0">
+                          <a:effectLst/>
+                          <a:latin typeface="Roboto"/>
+                        </a:rPr>
+                        <a:t>Dateiupload</a:t>
+                      </a:r>
+                      <a:endParaRPr lang="de-DE" b="0" i="0">
+                        <a:effectLst/>
+                        <a:latin typeface="Roboto"/>
+                      </a:endParaRPr>
+                    </a:p>
+                  </a:txBody>
+                  <a:tcPr/>
+                </a:tc>
+                <a:tc>
+                  <a:txBody>
+                    <a:bodyPr/>
+                    <a:lstStyle/>
+                    <a:p>
+                      <a:r>
+                        <a:rPr lang="de-DE" b="0">
+                          <a:effectLst/>
+                          <a:latin typeface="Roboto"/>
+                        </a:rPr>
+                        <a:t>Verifizierung der AML Integrität</a:t>
+                      </a:r>
+                      <a:endParaRPr lang="de-DE">
+                        <a:latin typeface="Roboto"/>
+                      </a:endParaRPr>
+                    </a:p>
+                  </a:txBody>
+                  <a:tcPr/>
+                </a:tc>
+                <a:extLst>
+                  <a:ext uri="{0D108BD9-81ED-4DB2-BD59-A6C34878D82A}">
+                    <a16:rowId xmlns:a16="http://schemas.microsoft.com/office/drawing/2014/main" val="1304727527"/>
+                  </a:ext>
+                </a:extLst>
+              </a:tr>
+              <a:tr h="370840">
+                <a:tc>
+                  <a:txBody>
+                    <a:bodyPr/>
+                    <a:lstStyle/>
+                    <a:p>
+                      <a:pPr marL="0" marR="0" lvl="0" indent="0" algn="l" defTabSz="914400" rtl="0" eaLnBrk="1" fontAlgn="auto" latinLnBrk="0" hangingPunct="1">
+                        <a:lnSpc>
+                          <a:spcPct val="100000"/>
+                        </a:lnSpc>
+                        <a:spcBef>
+                          <a:spcPts val="0"/>
+                        </a:spcBef>
+                        <a:spcAft>
+                          <a:spcPts val="0"/>
+                        </a:spcAft>
+                        <a:buClrTx/>
+                        <a:buSzTx/>
+                        <a:buFontTx/>
+                        <a:buNone/>
+                        <a:tabLst/>
+                        <a:defRPr/>
+                      </a:pPr>
+                      <a:r>
+                        <a:rPr lang="de-DE" b="0">
+                          <a:effectLst/>
+                          <a:latin typeface="Roboto"/>
+                        </a:rPr>
+                        <a:t>Dateidownload</a:t>
+                      </a:r>
+                      <a:endParaRPr lang="de-DE" b="0" i="0">
+                        <a:effectLst/>
+                        <a:latin typeface="Roboto"/>
+                      </a:endParaRPr>
+                    </a:p>
+                  </a:txBody>
+                  <a:tcPr/>
+                </a:tc>
+                <a:tc>
+                  <a:txBody>
+                    <a:bodyPr/>
+                    <a:lstStyle/>
+                    <a:p>
+                      <a:pPr marL="0" marR="0" lvl="0" indent="0" algn="l" defTabSz="914400" rtl="0" eaLnBrk="1" fontAlgn="auto" latinLnBrk="0" hangingPunct="1">
+                        <a:lnSpc>
+                          <a:spcPct val="100000"/>
+                        </a:lnSpc>
+                        <a:spcBef>
+                          <a:spcPts val="0"/>
+                        </a:spcBef>
+                        <a:spcAft>
+                          <a:spcPts val="0"/>
+                        </a:spcAft>
+                        <a:buClrTx/>
+                        <a:buSzTx/>
+                        <a:buFontTx/>
+                        <a:buNone/>
+                        <a:tabLst/>
+                        <a:defRPr/>
+                      </a:pPr>
+                      <a:r>
+                        <a:rPr lang="de-DE">
+                          <a:latin typeface="Roboto"/>
+                        </a:rPr>
+                        <a:t>Suchergebnisse in Pages unterteilen</a:t>
+                      </a:r>
+                    </a:p>
+                  </a:txBody>
+                  <a:tcPr/>
+                </a:tc>
+                <a:extLst>
+                  <a:ext uri="{0D108BD9-81ED-4DB2-BD59-A6C34878D82A}">
+                    <a16:rowId xmlns:a16="http://schemas.microsoft.com/office/drawing/2014/main" val="3875956261"/>
+                  </a:ext>
+                </a:extLst>
+              </a:tr>
+              <a:tr h="370840">
+                <a:tc>
+                  <a:txBody>
+                    <a:bodyPr/>
+                    <a:lstStyle/>
+                    <a:p>
+                      <a:r>
+                        <a:rPr lang="de-DE">
+                          <a:latin typeface="Roboto"/>
+                        </a:rPr>
+                        <a:t>Löschen von Dateien</a:t>
+                      </a:r>
+                    </a:p>
+                  </a:txBody>
+                  <a:tcPr/>
+                </a:tc>
+                <a:tc>
+                  <a:txBody>
+                    <a:bodyPr/>
+                    <a:lstStyle/>
+                    <a:p>
+                      <a:r>
+                        <a:rPr lang="de-DE">
+                          <a:latin typeface="Roboto"/>
+                        </a:rPr>
+                        <a:t>Sprache auf Deutsch und Englisch</a:t>
+                      </a:r>
+                    </a:p>
+                  </a:txBody>
+                  <a:tcPr/>
+                </a:tc>
+                <a:extLst>
+                  <a:ext uri="{0D108BD9-81ED-4DB2-BD59-A6C34878D82A}">
+                    <a16:rowId xmlns:a16="http://schemas.microsoft.com/office/drawing/2014/main" val="724890475"/>
+                  </a:ext>
+                </a:extLst>
+              </a:tr>
+              <a:tr h="370840">
+                <a:tc>
+                  <a:txBody>
+                    <a:bodyPr/>
+                    <a:lstStyle/>
+                    <a:p>
+                      <a:r>
+                        <a:rPr lang="de-DE">
+                          <a:latin typeface="Roboto"/>
+                        </a:rPr>
+                        <a:t>Suchen von Dateien nach ID</a:t>
+                      </a:r>
+                    </a:p>
+                  </a:txBody>
+                  <a:tcPr/>
+                </a:tc>
+                <a:tc>
+                  <a:txBody>
+                    <a:bodyPr/>
+                    <a:lstStyle/>
+                    <a:p>
+                      <a:r>
+                        <a:rPr lang="de-DE">
+                          <a:latin typeface="Roboto"/>
+                        </a:rPr>
+                        <a:t>Suchen von Dateien nach komplexeren Kriterien</a:t>
+                      </a:r>
+                    </a:p>
+                  </a:txBody>
+                  <a:tcPr/>
+                </a:tc>
+                <a:extLst>
+                  <a:ext uri="{0D108BD9-81ED-4DB2-BD59-A6C34878D82A}">
+                    <a16:rowId xmlns:a16="http://schemas.microsoft.com/office/drawing/2014/main" val="3539757904"/>
+                  </a:ext>
+                </a:extLst>
+              </a:tr>
+              <a:tr h="370840">
+                <a:tc>
+                  <a:txBody>
+                    <a:bodyPr/>
+                    <a:lstStyle/>
+                    <a:p>
+                      <a:r>
+                        <a:rPr lang="de-DE">
+                          <a:latin typeface="Roboto"/>
+                        </a:rPr>
+                        <a:t>Editieren von Dateien</a:t>
+                      </a:r>
+                    </a:p>
+                  </a:txBody>
+                  <a:tcPr/>
+                </a:tc>
+                <a:tc>
+                  <a:txBody>
+                    <a:bodyPr/>
+                    <a:lstStyle/>
+                    <a:p>
+                      <a:endParaRPr lang="de-DE">
+                        <a:latin typeface="Roboto"/>
+                      </a:endParaRPr>
+                    </a:p>
+                  </a:txBody>
+                  <a:tcPr/>
+                </a:tc>
+                <a:extLst>
+                  <a:ext uri="{0D108BD9-81ED-4DB2-BD59-A6C34878D82A}">
+                    <a16:rowId xmlns:a16="http://schemas.microsoft.com/office/drawing/2014/main" val="2232568555"/>
+                  </a:ext>
+                </a:extLst>
+              </a:tr>
+            </a:tbl>
+          </a:graphicData>
+        </a:graphic>
+      </p:graphicFrame>
+      <p:sp>
+        <p:nvSpPr>
+          <p:cNvPr id="19" name="TextBox 18">
+            <a:extLst>
+              <a:ext uri="{FF2B5EF4-FFF2-40B4-BE49-F238E27FC236}">
+                <a16:creationId xmlns:a16="http://schemas.microsoft.com/office/drawing/2014/main" id="{97607299-4D7D-4C66-B1CF-4D2B3EA7DBB4}"/>
+              </a:ext>
+            </a:extLst>
+          </p:cNvPr>
+          <p:cNvSpPr txBox="1"/>
+          <p:nvPr/>
+        </p:nvSpPr>
+        <p:spPr>
+          <a:xfrm>
+            <a:off x="3821124" y="1327944"/>
+            <a:ext cx="3864508" cy="461665"/>
+          </a:xfrm>
+          <a:prstGeom prst="rect">
+            <a:avLst/>
+          </a:prstGeom>
+          <a:noFill/>
+        </p:spPr>
+        <p:txBody>
+          <a:bodyPr wrap="square" rtlCol="0">
+            <a:spAutoFit/>
+          </a:bodyPr>
+          <a:lstStyle/>
+          <a:p>
+            <a:r>
+              <a:rPr lang="de-DE" sz="2400">
+                <a:solidFill>
+                  <a:srgbClr val="6D7173"/>
+                </a:solidFill>
+                <a:latin typeface="Roboto"/>
+              </a:rPr>
+              <a:t>Funktionale Anforderungen</a:t>
+            </a:r>
+          </a:p>
+        </p:txBody>
+      </p:sp>
+      <p:pic>
+        <p:nvPicPr>
+          <p:cNvPr id="2" name="Picture 2" descr="A picture containing wheel, food&#10;&#10;Description automatically generated">
+            <a:extLst>
+              <a:ext uri="{FF2B5EF4-FFF2-40B4-BE49-F238E27FC236}">
+                <a16:creationId xmlns:a16="http://schemas.microsoft.com/office/drawing/2014/main" id="{08D8242A-6C87-4B86-AB30-828DD34E17E4}"/>
+              </a:ext>
+            </a:extLst>
+          </p:cNvPr>
+          <p:cNvPicPr>
+            <a:picLocks noChangeAspect="1" noChangeArrowheads="1"/>
+          </p:cNvPicPr>
+          <p:nvPr/>
+        </p:nvPicPr>
+        <p:blipFill>
+          <a:blip r:embed="rId2">
+            <a:extLst>
+              <a:ext uri="{28A0092B-C50C-407E-A947-70E740481C1C}">
+                <a14:useLocalDpi xmlns:a14="http://schemas.microsoft.com/office/drawing/2010/main" val="0"/>
+              </a:ext>
+            </a:extLst>
+          </a:blip>
+          <a:stretch>
+            <a:fillRect/>
+          </a:stretch>
+        </p:blipFill>
+        <p:spPr bwMode="auto">
+          <a:xfrm>
+            <a:off x="-55053" y="5060305"/>
+            <a:ext cx="1355990" cy="1355990"/>
+          </a:xfrm>
+          <a:prstGeom prst="rect">
+            <a:avLst/>
+          </a:prstGeom>
+          <a:noFill/>
+          <a:extLst>
+            <a:ext uri="{909E8E84-426E-40DD-AFC4-6F175D3DCCD1}">
+              <a14:hiddenFill xmlns:a14="http://schemas.microsoft.com/office/drawing/2010/main">
+                <a:solidFill>
+                  <a:srgbClr val="FFFFFF"/>
+                </a:solidFill>
+              </a14:hiddenFill>
+            </a:ext>
+          </a:extLst>
+        </p:spPr>
+      </p:pic>
+      <p:sp>
+        <p:nvSpPr>
+          <p:cNvPr id="11" name="Foliennummernplatzhalter 10">
+            <a:extLst>
+              <a:ext uri="{FF2B5EF4-FFF2-40B4-BE49-F238E27FC236}">
+                <a16:creationId xmlns:a16="http://schemas.microsoft.com/office/drawing/2014/main" id="{21251B5A-81D7-4955-9A1E-932E6F0022E9}"/>
+              </a:ext>
+            </a:extLst>
+          </p:cNvPr>
+          <p:cNvSpPr>
+            <a:spLocks noGrp="1"/>
+          </p:cNvSpPr>
+          <p:nvPr>
+            <p:ph type="sldNum" sz="quarter" idx="12"/>
+          </p:nvPr>
+        </p:nvSpPr>
+        <p:spPr/>
+        <p:txBody>
+          <a:bodyPr/>
+          <a:lstStyle/>
+          <a:p>
+            <a:fld id="{B9EAB3BA-07EE-4B64-A177-47C30D775877}" type="slidenum">
+              <a:rPr lang="en-US" smtClean="0"/>
+              <a:t>7</a:t>
+            </a:fld>
+            <a:endParaRPr lang="en-US"/>
+          </a:p>
+        </p:txBody>
+      </p:sp>
+    </p:spTree>
+    <p:extLst>
+      <p:ext uri="{BB962C8B-B14F-4D97-AF65-F5344CB8AC3E}">
+        <p14:creationId xmlns:p14="http://schemas.microsoft.com/office/powerpoint/2010/main" val="602229894"/>
+      </p:ext>
+    </p:extLst>
+  </p:cSld>
+  <p:clrMapOvr>
+    <a:masterClrMapping/>
+  </p:clrMapOvr>
+</p:sld>
+</file>
+
+<file path=ppt/slides/slide8.xml><?xml version="1.0" encoding="utf-8"?>
 <p:sld xmlns:a="http://schemas.openxmlformats.org/drawingml/2006/main" xmlns:r="http://schemas.openxmlformats.org/officeDocument/2006/relationships" xmlns:p="http://schemas.openxmlformats.org/presentationml/2006/main">
   <p:cSld>
     <p:spTree>
@@ -20781,863 +22356,39 @@
           </a:extLst>
         </p:spPr>
       </p:pic>
+      <p:sp>
+        <p:nvSpPr>
+          <p:cNvPr id="11" name="Foliennummernplatzhalter 10">
+            <a:extLst>
+              <a:ext uri="{FF2B5EF4-FFF2-40B4-BE49-F238E27FC236}">
+                <a16:creationId xmlns:a16="http://schemas.microsoft.com/office/drawing/2014/main" id="{5B1667C3-DC1D-4263-A843-0EE8292EFE5F}"/>
+              </a:ext>
+            </a:extLst>
+          </p:cNvPr>
+          <p:cNvSpPr>
+            <a:spLocks noGrp="1"/>
+          </p:cNvSpPr>
+          <p:nvPr>
+            <p:ph type="sldNum" sz="quarter" idx="12"/>
+          </p:nvPr>
+        </p:nvSpPr>
+        <p:spPr/>
+        <p:txBody>
+          <a:bodyPr/>
+          <a:lstStyle/>
+          <a:p>
+            <a:fld id="{B9EAB3BA-07EE-4B64-A177-47C30D775877}" type="slidenum">
+              <a:rPr lang="en-US" smtClean="0"/>
+              <a:t>8</a:t>
+            </a:fld>
+            <a:endParaRPr lang="en-US"/>
+          </a:p>
+        </p:txBody>
+      </p:sp>
     </p:spTree>
     <p:extLst>
       <p:ext uri="{BB962C8B-B14F-4D97-AF65-F5344CB8AC3E}">
         <p14:creationId xmlns:p14="http://schemas.microsoft.com/office/powerpoint/2010/main" val="2408862757"/>
-      </p:ext>
-    </p:extLst>
-  </p:cSld>
-  <p:clrMapOvr>
-    <a:masterClrMapping/>
-  </p:clrMapOvr>
-</p:sld>
-</file>
-
-<file path=ppt/slides/slide8.xml><?xml version="1.0" encoding="utf-8"?>
-<p:sld xmlns:a="http://schemas.openxmlformats.org/drawingml/2006/main" xmlns:r="http://schemas.openxmlformats.org/officeDocument/2006/relationships" xmlns:p="http://schemas.openxmlformats.org/presentationml/2006/main">
-  <p:cSld>
-    <p:spTree>
-      <p:nvGrpSpPr>
-        <p:cNvPr id="1" name=""/>
-        <p:cNvGrpSpPr/>
-        <p:nvPr/>
-      </p:nvGrpSpPr>
-      <p:grpSpPr>
-        <a:xfrm>
-          <a:off x="0" y="0"/>
-          <a:ext cx="0" cy="0"/>
-          <a:chOff x="0" y="0"/>
-          <a:chExt cx="0" cy="0"/>
-        </a:xfrm>
-      </p:grpSpPr>
-      <p:sp>
-        <p:nvSpPr>
-          <p:cNvPr id="9" name="Rectangle 8">
-            <a:extLst>
-              <a:ext uri="{FF2B5EF4-FFF2-40B4-BE49-F238E27FC236}">
-                <a16:creationId xmlns:a16="http://schemas.microsoft.com/office/drawing/2014/main" id="{32BABF7B-639D-4043-B980-5AE86FFD09C5}"/>
-              </a:ext>
-            </a:extLst>
-          </p:cNvPr>
-          <p:cNvSpPr/>
-          <p:nvPr/>
-        </p:nvSpPr>
-        <p:spPr>
-          <a:xfrm>
-            <a:off x="0" y="-3511"/>
-            <a:ext cx="12192000" cy="522765"/>
-          </a:xfrm>
-          <a:prstGeom prst="rect">
-            <a:avLst/>
-          </a:prstGeom>
-          <a:solidFill>
-            <a:srgbClr val="EC7102"/>
-          </a:solidFill>
-          <a:ln>
-            <a:solidFill>
-              <a:srgbClr val="EC7102"/>
-            </a:solidFill>
-          </a:ln>
-        </p:spPr>
-        <p:style>
-          <a:lnRef idx="2">
-            <a:schemeClr val="accent1">
-              <a:shade val="50000"/>
-            </a:schemeClr>
-          </a:lnRef>
-          <a:fillRef idx="1">
-            <a:schemeClr val="accent1"/>
-          </a:fillRef>
-          <a:effectRef idx="0">
-            <a:schemeClr val="accent1"/>
-          </a:effectRef>
-          <a:fontRef idx="minor">
-            <a:schemeClr val="lt1"/>
-          </a:fontRef>
-        </p:style>
-        <p:txBody>
-          <a:bodyPr rtlCol="0" anchor="ctr"/>
-          <a:lstStyle/>
-          <a:p>
-            <a:pPr algn="ctr"/>
-            <a:endParaRPr lang="de-DE"/>
-          </a:p>
-        </p:txBody>
-      </p:sp>
-      <p:sp>
-        <p:nvSpPr>
-          <p:cNvPr id="7" name="Rectangle 6">
-            <a:extLst>
-              <a:ext uri="{FF2B5EF4-FFF2-40B4-BE49-F238E27FC236}">
-                <a16:creationId xmlns:a16="http://schemas.microsoft.com/office/drawing/2014/main" id="{7364B271-291D-4122-B1AB-74F1FBAA161E}"/>
-              </a:ext>
-            </a:extLst>
-          </p:cNvPr>
-          <p:cNvSpPr/>
-          <p:nvPr/>
-        </p:nvSpPr>
-        <p:spPr>
-          <a:xfrm>
-            <a:off x="0" y="6340730"/>
-            <a:ext cx="12247620" cy="517270"/>
-          </a:xfrm>
-          <a:prstGeom prst="rect">
-            <a:avLst/>
-          </a:prstGeom>
-          <a:solidFill>
-            <a:srgbClr val="6D7173"/>
-          </a:solidFill>
-        </p:spPr>
-        <p:style>
-          <a:lnRef idx="2">
-            <a:schemeClr val="accent1">
-              <a:shade val="50000"/>
-            </a:schemeClr>
-          </a:lnRef>
-          <a:fillRef idx="1">
-            <a:schemeClr val="accent1"/>
-          </a:fillRef>
-          <a:effectRef idx="0">
-            <a:schemeClr val="accent1"/>
-          </a:effectRef>
-          <a:fontRef idx="minor">
-            <a:schemeClr val="lt1"/>
-          </a:fontRef>
-        </p:style>
-        <p:txBody>
-          <a:bodyPr rtlCol="0" anchor="ctr"/>
-          <a:lstStyle/>
-          <a:p>
-            <a:pPr marL="0" indent="0">
-              <a:buNone/>
-            </a:pPr>
-            <a:r>
-              <a:rPr kumimoji="0" lang="de-DE" altLang="de-DE" sz="1800" b="0" i="0" u="none" strike="noStrike" cap="none" normalizeH="0" baseline="0">
-                <a:ln>
-                  <a:noFill/>
-                </a:ln>
-                <a:solidFill>
-                  <a:srgbClr val="F8F8F8"/>
-                </a:solidFill>
-                <a:effectLst/>
-                <a:latin typeface="Roboto"/>
-              </a:rPr>
-              <a:t>AML NoSQL Database Management	</a:t>
-            </a:r>
-            <a:r>
-              <a:rPr lang="de-DE">
-                <a:solidFill>
-                  <a:srgbClr val="F8F8F8"/>
-                </a:solidFill>
-              </a:rPr>
-              <a:t>						Team 5 – TINF19C</a:t>
-            </a:r>
-          </a:p>
-        </p:txBody>
-      </p:sp>
-      <p:sp>
-        <p:nvSpPr>
-          <p:cNvPr id="8" name="Rectangle 3">
-            <a:extLst>
-              <a:ext uri="{FF2B5EF4-FFF2-40B4-BE49-F238E27FC236}">
-                <a16:creationId xmlns:a16="http://schemas.microsoft.com/office/drawing/2014/main" id="{86AB94F5-EC09-4CDC-9C1D-01478F5665BB}"/>
-              </a:ext>
-            </a:extLst>
-          </p:cNvPr>
-          <p:cNvSpPr>
-            <a:spLocks noChangeArrowheads="1"/>
-          </p:cNvSpPr>
-          <p:nvPr/>
-        </p:nvSpPr>
-        <p:spPr bwMode="auto">
-          <a:xfrm>
-            <a:off x="0" y="-323165"/>
-            <a:ext cx="184731" cy="646331"/>
-          </a:xfrm>
-          <a:prstGeom prst="rect">
-            <a:avLst/>
-          </a:prstGeom>
-          <a:noFill/>
-          <a:ln>
-            <a:noFill/>
-          </a:ln>
-          <a:effectLst/>
-          <a:extLst>
-            <a:ext uri="{909E8E84-426E-40DD-AFC4-6F175D3DCCD1}">
-              <a14:hiddenFill xmlns:a14="http://schemas.microsoft.com/office/drawing/2010/main">
-                <a:solidFill>
-                  <a:schemeClr val="accent1"/>
-                </a:solidFill>
-              </a14:hiddenFill>
-            </a:ext>
-            <a:ext uri="{91240B29-F687-4F45-9708-019B960494DF}">
-              <a14:hiddenLine xmlns:a14="http://schemas.microsoft.com/office/drawing/2010/main" w="9525">
-                <a:solidFill>
-                  <a:schemeClr val="tx1"/>
-                </a:solidFill>
-                <a:miter lim="800000"/>
-                <a:headEnd/>
-                <a:tailEnd/>
-              </a14:hiddenLine>
-            </a:ext>
-            <a:ext uri="{AF507438-7753-43E0-B8FC-AC1667EBCBE1}">
-              <a14:hiddenEffects xmlns:a14="http://schemas.microsoft.com/office/drawing/2010/main">
-                <a:effectLst>
-                  <a:outerShdw dist="35921" dir="2700000" algn="ctr" rotWithShape="0">
-                    <a:schemeClr val="bg2"/>
-                  </a:outerShdw>
-                </a:effectLst>
-              </a14:hiddenEffects>
-            </a:ext>
-          </a:extLst>
-        </p:spPr>
-        <p:txBody>
-          <a:bodyPr vert="horz" wrap="none" lIns="91440" tIns="45720" rIns="91440" bIns="45720" numCol="1" anchor="ctr" anchorCtr="0" compatLnSpc="1">
-            <a:prstTxWarp prst="textNoShape">
-              <a:avLst/>
-            </a:prstTxWarp>
-            <a:spAutoFit/>
-          </a:bodyPr>
-          <a:lstStyle>
-            <a:lvl1pPr eaLnBrk="0" fontAlgn="base" hangingPunct="0">
-              <a:spcBef>
-                <a:spcPct val="0"/>
-              </a:spcBef>
-              <a:spcAft>
-                <a:spcPct val="0"/>
-              </a:spcAft>
-              <a:defRPr>
-                <a:solidFill>
-                  <a:schemeClr val="tx1"/>
-                </a:solidFill>
-                <a:latin typeface="Arial" panose="020B0604020202020204" pitchFamily="34" charset="0"/>
-              </a:defRPr>
-            </a:lvl1pPr>
-            <a:lvl2pPr eaLnBrk="0" fontAlgn="base" hangingPunct="0">
-              <a:spcBef>
-                <a:spcPct val="0"/>
-              </a:spcBef>
-              <a:spcAft>
-                <a:spcPct val="0"/>
-              </a:spcAft>
-              <a:defRPr>
-                <a:solidFill>
-                  <a:schemeClr val="tx1"/>
-                </a:solidFill>
-                <a:latin typeface="Arial" panose="020B0604020202020204" pitchFamily="34" charset="0"/>
-              </a:defRPr>
-            </a:lvl2pPr>
-            <a:lvl3pPr eaLnBrk="0" fontAlgn="base" hangingPunct="0">
-              <a:spcBef>
-                <a:spcPct val="0"/>
-              </a:spcBef>
-              <a:spcAft>
-                <a:spcPct val="0"/>
-              </a:spcAft>
-              <a:defRPr>
-                <a:solidFill>
-                  <a:schemeClr val="tx1"/>
-                </a:solidFill>
-                <a:latin typeface="Arial" panose="020B0604020202020204" pitchFamily="34" charset="0"/>
-              </a:defRPr>
-            </a:lvl3pPr>
-            <a:lvl4pPr eaLnBrk="0" fontAlgn="base" hangingPunct="0">
-              <a:spcBef>
-                <a:spcPct val="0"/>
-              </a:spcBef>
-              <a:spcAft>
-                <a:spcPct val="0"/>
-              </a:spcAft>
-              <a:defRPr>
-                <a:solidFill>
-                  <a:schemeClr val="tx1"/>
-                </a:solidFill>
-                <a:latin typeface="Arial" panose="020B0604020202020204" pitchFamily="34" charset="0"/>
-              </a:defRPr>
-            </a:lvl4pPr>
-            <a:lvl5pPr eaLnBrk="0" fontAlgn="base" hangingPunct="0">
-              <a:spcBef>
-                <a:spcPct val="0"/>
-              </a:spcBef>
-              <a:spcAft>
-                <a:spcPct val="0"/>
-              </a:spcAft>
-              <a:defRPr>
-                <a:solidFill>
-                  <a:schemeClr val="tx1"/>
-                </a:solidFill>
-                <a:latin typeface="Arial" panose="020B0604020202020204" pitchFamily="34" charset="0"/>
-              </a:defRPr>
-            </a:lvl5pPr>
-            <a:lvl6pPr eaLnBrk="0" fontAlgn="base" hangingPunct="0">
-              <a:spcBef>
-                <a:spcPct val="0"/>
-              </a:spcBef>
-              <a:spcAft>
-                <a:spcPct val="0"/>
-              </a:spcAft>
-              <a:defRPr>
-                <a:solidFill>
-                  <a:schemeClr val="tx1"/>
-                </a:solidFill>
-                <a:latin typeface="Arial" panose="020B0604020202020204" pitchFamily="34" charset="0"/>
-              </a:defRPr>
-            </a:lvl6pPr>
-            <a:lvl7pPr eaLnBrk="0" fontAlgn="base" hangingPunct="0">
-              <a:spcBef>
-                <a:spcPct val="0"/>
-              </a:spcBef>
-              <a:spcAft>
-                <a:spcPct val="0"/>
-              </a:spcAft>
-              <a:defRPr>
-                <a:solidFill>
-                  <a:schemeClr val="tx1"/>
-                </a:solidFill>
-                <a:latin typeface="Arial" panose="020B0604020202020204" pitchFamily="34" charset="0"/>
-              </a:defRPr>
-            </a:lvl7pPr>
-            <a:lvl8pPr eaLnBrk="0" fontAlgn="base" hangingPunct="0">
-              <a:spcBef>
-                <a:spcPct val="0"/>
-              </a:spcBef>
-              <a:spcAft>
-                <a:spcPct val="0"/>
-              </a:spcAft>
-              <a:defRPr>
-                <a:solidFill>
-                  <a:schemeClr val="tx1"/>
-                </a:solidFill>
-                <a:latin typeface="Arial" panose="020B0604020202020204" pitchFamily="34" charset="0"/>
-              </a:defRPr>
-            </a:lvl8pPr>
-            <a:lvl9pPr eaLnBrk="0" fontAlgn="base" hangingPunct="0">
-              <a:spcBef>
-                <a:spcPct val="0"/>
-              </a:spcBef>
-              <a:spcAft>
-                <a:spcPct val="0"/>
-              </a:spcAft>
-              <a:defRPr>
-                <a:solidFill>
-                  <a:schemeClr val="tx1"/>
-                </a:solidFill>
-                <a:latin typeface="Arial" panose="020B0604020202020204" pitchFamily="34" charset="0"/>
-              </a:defRPr>
-            </a:lvl9pPr>
-          </a:lstStyle>
-          <a:p>
-            <a:pPr marL="0" marR="0" lvl="0" indent="0" algn="l" defTabSz="914400" rtl="0" eaLnBrk="0" fontAlgn="base" latinLnBrk="0" hangingPunct="0">
-              <a:lnSpc>
-                <a:spcPct val="100000"/>
-              </a:lnSpc>
-              <a:spcBef>
-                <a:spcPct val="0"/>
-              </a:spcBef>
-              <a:spcAft>
-                <a:spcPct val="0"/>
-              </a:spcAft>
-              <a:buClrTx/>
-              <a:buSzTx/>
-              <a:buFontTx/>
-              <a:buNone/>
-              <a:tabLst/>
-            </a:pPr>
-            <a:br>
-              <a:rPr kumimoji="0" lang="de-DE" altLang="de-DE" sz="1800" b="0" i="0" u="none" strike="noStrike" cap="none" normalizeH="0" baseline="0">
-                <a:ln>
-                  <a:noFill/>
-                </a:ln>
-                <a:solidFill>
-                  <a:schemeClr val="tx1"/>
-                </a:solidFill>
-                <a:effectLst/>
-                <a:latin typeface="Arial" panose="020B0604020202020204" pitchFamily="34" charset="0"/>
-              </a:rPr>
-            </a:br>
-            <a:endParaRPr kumimoji="0" lang="de-DE" altLang="de-DE" sz="1800" b="0" i="0" u="none" strike="noStrike" cap="none" normalizeH="0" baseline="0">
-              <a:ln>
-                <a:noFill/>
-              </a:ln>
-              <a:solidFill>
-                <a:schemeClr val="tx1"/>
-              </a:solidFill>
-              <a:effectLst/>
-              <a:latin typeface="Arial" panose="020B0604020202020204" pitchFamily="34" charset="0"/>
-            </a:endParaRPr>
-          </a:p>
-        </p:txBody>
-      </p:sp>
-      <p:sp>
-        <p:nvSpPr>
-          <p:cNvPr id="14" name="TextBox 13">
-            <a:extLst>
-              <a:ext uri="{FF2B5EF4-FFF2-40B4-BE49-F238E27FC236}">
-                <a16:creationId xmlns:a16="http://schemas.microsoft.com/office/drawing/2014/main" id="{690320E7-7A66-45F8-AD2C-1744CA4D7332}"/>
-              </a:ext>
-            </a:extLst>
-          </p:cNvPr>
-          <p:cNvSpPr txBox="1"/>
-          <p:nvPr/>
-        </p:nvSpPr>
-        <p:spPr>
-          <a:xfrm>
-            <a:off x="184731" y="113466"/>
-            <a:ext cx="4827783" cy="367095"/>
-          </a:xfrm>
-          <a:prstGeom prst="rect">
-            <a:avLst/>
-          </a:prstGeom>
-          <a:noFill/>
-        </p:spPr>
-        <p:txBody>
-          <a:bodyPr wrap="square" rtlCol="0">
-            <a:spAutoFit/>
-          </a:bodyPr>
-          <a:lstStyle/>
-          <a:p>
-            <a:r>
-              <a:rPr kumimoji="0" lang="de-DE" altLang="de-DE" sz="1800" b="0" i="0" u="none" strike="noStrike" cap="none" normalizeH="0" baseline="0">
-                <a:ln>
-                  <a:noFill/>
-                </a:ln>
-                <a:solidFill>
-                  <a:srgbClr val="F8F8F8"/>
-                </a:solidFill>
-                <a:effectLst/>
-                <a:latin typeface="Roboto"/>
-              </a:rPr>
-              <a:t>Anforderungen</a:t>
-            </a:r>
-            <a:endParaRPr lang="de-DE"/>
-          </a:p>
-        </p:txBody>
-      </p:sp>
-      <p:graphicFrame>
-        <p:nvGraphicFramePr>
-          <p:cNvPr id="6" name="Table 14">
-            <a:extLst>
-              <a:ext uri="{FF2B5EF4-FFF2-40B4-BE49-F238E27FC236}">
-                <a16:creationId xmlns:a16="http://schemas.microsoft.com/office/drawing/2014/main" id="{B1CDA597-8484-406D-B850-8F15699FE09D}"/>
-              </a:ext>
-            </a:extLst>
-          </p:cNvPr>
-          <p:cNvGraphicFramePr>
-            <a:graphicFrameLocks noGrp="1"/>
-          </p:cNvGraphicFramePr>
-          <p:nvPr>
-            <p:extLst>
-              <p:ext uri="{D42A27DB-BD31-4B8C-83A1-F6EECF244321}">
-                <p14:modId xmlns:p14="http://schemas.microsoft.com/office/powerpoint/2010/main" val="725381208"/>
-              </p:ext>
-            </p:extLst>
-          </p:nvPr>
-        </p:nvGraphicFramePr>
-        <p:xfrm>
-          <a:off x="1701985" y="2296744"/>
-          <a:ext cx="8115393" cy="2494280"/>
-        </p:xfrm>
-        <a:graphic>
-          <a:graphicData uri="http://schemas.openxmlformats.org/drawingml/2006/table">
-            <a:tbl>
-              <a:tblPr firstRow="1" bandRow="1">
-                <a:tableStyleId>{21E4AEA4-8DFA-4A89-87EB-49C32662AFE0}</a:tableStyleId>
-              </a:tblPr>
-              <a:tblGrid>
-                <a:gridCol w="4051393">
-                  <a:extLst>
-                    <a:ext uri="{9D8B030D-6E8A-4147-A177-3AD203B41FA5}">
-                      <a16:colId xmlns:a16="http://schemas.microsoft.com/office/drawing/2014/main" val="654961789"/>
-                    </a:ext>
-                  </a:extLst>
-                </a:gridCol>
-                <a:gridCol w="4064000">
-                  <a:extLst>
-                    <a:ext uri="{9D8B030D-6E8A-4147-A177-3AD203B41FA5}">
-                      <a16:colId xmlns:a16="http://schemas.microsoft.com/office/drawing/2014/main" val="751484639"/>
-                    </a:ext>
-                  </a:extLst>
-                </a:gridCol>
-              </a:tblGrid>
-              <a:tr h="370840">
-                <a:tc>
-                  <a:txBody>
-                    <a:bodyPr/>
-                    <a:lstStyle/>
-                    <a:p>
-                      <a:r>
-                        <a:rPr lang="de-DE">
-                          <a:latin typeface="Roboto"/>
-                        </a:rPr>
-                        <a:t>Mandatory</a:t>
-                      </a:r>
-                    </a:p>
-                  </a:txBody>
-                  <a:tcPr/>
-                </a:tc>
-                <a:tc>
-                  <a:txBody>
-                    <a:bodyPr/>
-                    <a:lstStyle/>
-                    <a:p>
-                      <a:r>
-                        <a:rPr lang="de-DE">
-                          <a:latin typeface="Roboto"/>
-                        </a:rPr>
-                        <a:t>Optional</a:t>
-                      </a:r>
-                    </a:p>
-                  </a:txBody>
-                  <a:tcPr/>
-                </a:tc>
-                <a:extLst>
-                  <a:ext uri="{0D108BD9-81ED-4DB2-BD59-A6C34878D82A}">
-                    <a16:rowId xmlns:a16="http://schemas.microsoft.com/office/drawing/2014/main" val="968452853"/>
-                  </a:ext>
-                </a:extLst>
-              </a:tr>
-              <a:tr h="370840">
-                <a:tc>
-                  <a:txBody>
-                    <a:bodyPr/>
-                    <a:lstStyle/>
-                    <a:p>
-                      <a:pPr marL="0" marR="0" lvl="0" indent="0" algn="l" defTabSz="914400" rtl="0" eaLnBrk="1" fontAlgn="auto" latinLnBrk="0" hangingPunct="1">
-                        <a:lnSpc>
-                          <a:spcPct val="100000"/>
-                        </a:lnSpc>
-                        <a:spcBef>
-                          <a:spcPts val="0"/>
-                        </a:spcBef>
-                        <a:spcAft>
-                          <a:spcPts val="0"/>
-                        </a:spcAft>
-                        <a:buClrTx/>
-                        <a:buSzTx/>
-                        <a:buFontTx/>
-                        <a:buNone/>
-                        <a:tabLst/>
-                        <a:defRPr/>
-                      </a:pPr>
-                      <a:r>
-                        <a:rPr lang="de-DE" b="0">
-                          <a:effectLst/>
-                          <a:latin typeface="Roboto"/>
-                        </a:rPr>
-                        <a:t>Dateiupload</a:t>
-                      </a:r>
-                      <a:endParaRPr lang="de-DE" b="0" i="0">
-                        <a:effectLst/>
-                        <a:latin typeface="Roboto"/>
-                      </a:endParaRPr>
-                    </a:p>
-                  </a:txBody>
-                  <a:tcPr/>
-                </a:tc>
-                <a:tc>
-                  <a:txBody>
-                    <a:bodyPr/>
-                    <a:lstStyle/>
-                    <a:p>
-                      <a:r>
-                        <a:rPr lang="de-DE" b="0">
-                          <a:effectLst/>
-                          <a:latin typeface="Roboto"/>
-                        </a:rPr>
-                        <a:t>Verifizierung der AML Integrität</a:t>
-                      </a:r>
-                      <a:endParaRPr lang="de-DE">
-                        <a:latin typeface="Roboto"/>
-                      </a:endParaRPr>
-                    </a:p>
-                  </a:txBody>
-                  <a:tcPr/>
-                </a:tc>
-                <a:extLst>
-                  <a:ext uri="{0D108BD9-81ED-4DB2-BD59-A6C34878D82A}">
-                    <a16:rowId xmlns:a16="http://schemas.microsoft.com/office/drawing/2014/main" val="1304727527"/>
-                  </a:ext>
-                </a:extLst>
-              </a:tr>
-              <a:tr h="370840">
-                <a:tc>
-                  <a:txBody>
-                    <a:bodyPr/>
-                    <a:lstStyle/>
-                    <a:p>
-                      <a:pPr marL="0" marR="0" lvl="0" indent="0" algn="l" defTabSz="914400" rtl="0" eaLnBrk="1" fontAlgn="auto" latinLnBrk="0" hangingPunct="1">
-                        <a:lnSpc>
-                          <a:spcPct val="100000"/>
-                        </a:lnSpc>
-                        <a:spcBef>
-                          <a:spcPts val="0"/>
-                        </a:spcBef>
-                        <a:spcAft>
-                          <a:spcPts val="0"/>
-                        </a:spcAft>
-                        <a:buClrTx/>
-                        <a:buSzTx/>
-                        <a:buFontTx/>
-                        <a:buNone/>
-                        <a:tabLst/>
-                        <a:defRPr/>
-                      </a:pPr>
-                      <a:r>
-                        <a:rPr lang="de-DE" b="0">
-                          <a:effectLst/>
-                          <a:latin typeface="Roboto"/>
-                        </a:rPr>
-                        <a:t>Dateidownload</a:t>
-                      </a:r>
-                      <a:endParaRPr lang="de-DE" b="0" i="0">
-                        <a:effectLst/>
-                        <a:latin typeface="Roboto"/>
-                      </a:endParaRPr>
-                    </a:p>
-                  </a:txBody>
-                  <a:tcPr/>
-                </a:tc>
-                <a:tc>
-                  <a:txBody>
-                    <a:bodyPr/>
-                    <a:lstStyle/>
-                    <a:p>
-                      <a:pPr marL="0" marR="0" lvl="0" indent="0" algn="l" defTabSz="914400" rtl="0" eaLnBrk="1" fontAlgn="auto" latinLnBrk="0" hangingPunct="1">
-                        <a:lnSpc>
-                          <a:spcPct val="100000"/>
-                        </a:lnSpc>
-                        <a:spcBef>
-                          <a:spcPts val="0"/>
-                        </a:spcBef>
-                        <a:spcAft>
-                          <a:spcPts val="0"/>
-                        </a:spcAft>
-                        <a:buClrTx/>
-                        <a:buSzTx/>
-                        <a:buFontTx/>
-                        <a:buNone/>
-                        <a:tabLst/>
-                        <a:defRPr/>
-                      </a:pPr>
-                      <a:r>
-                        <a:rPr lang="de-DE">
-                          <a:latin typeface="Roboto"/>
-                        </a:rPr>
-                        <a:t>Suchergebnisse in Pages unterteilen</a:t>
-                      </a:r>
-                    </a:p>
-                  </a:txBody>
-                  <a:tcPr/>
-                </a:tc>
-                <a:extLst>
-                  <a:ext uri="{0D108BD9-81ED-4DB2-BD59-A6C34878D82A}">
-                    <a16:rowId xmlns:a16="http://schemas.microsoft.com/office/drawing/2014/main" val="3875956261"/>
-                  </a:ext>
-                </a:extLst>
-              </a:tr>
-              <a:tr h="370840">
-                <a:tc>
-                  <a:txBody>
-                    <a:bodyPr/>
-                    <a:lstStyle/>
-                    <a:p>
-                      <a:r>
-                        <a:rPr lang="de-DE">
-                          <a:latin typeface="Roboto"/>
-                        </a:rPr>
-                        <a:t>Löschen von Dateien</a:t>
-                      </a:r>
-                    </a:p>
-                  </a:txBody>
-                  <a:tcPr/>
-                </a:tc>
-                <a:tc>
-                  <a:txBody>
-                    <a:bodyPr/>
-                    <a:lstStyle/>
-                    <a:p>
-                      <a:r>
-                        <a:rPr lang="de-DE">
-                          <a:latin typeface="Roboto"/>
-                        </a:rPr>
-                        <a:t>Sprache auf Deutsch und Englisch</a:t>
-                      </a:r>
-                    </a:p>
-                  </a:txBody>
-                  <a:tcPr/>
-                </a:tc>
-                <a:extLst>
-                  <a:ext uri="{0D108BD9-81ED-4DB2-BD59-A6C34878D82A}">
-                    <a16:rowId xmlns:a16="http://schemas.microsoft.com/office/drawing/2014/main" val="724890475"/>
-                  </a:ext>
-                </a:extLst>
-              </a:tr>
-              <a:tr h="370840">
-                <a:tc>
-                  <a:txBody>
-                    <a:bodyPr/>
-                    <a:lstStyle/>
-                    <a:p>
-                      <a:r>
-                        <a:rPr lang="de-DE">
-                          <a:latin typeface="Roboto"/>
-                        </a:rPr>
-                        <a:t>Suchen von Dateien nach ID</a:t>
-                      </a:r>
-                    </a:p>
-                  </a:txBody>
-                  <a:tcPr/>
-                </a:tc>
-                <a:tc>
-                  <a:txBody>
-                    <a:bodyPr/>
-                    <a:lstStyle/>
-                    <a:p>
-                      <a:r>
-                        <a:rPr lang="de-DE">
-                          <a:latin typeface="Roboto"/>
-                        </a:rPr>
-                        <a:t>Suchen von Dateien nach komplexeren Kriterien</a:t>
-                      </a:r>
-                    </a:p>
-                  </a:txBody>
-                  <a:tcPr/>
-                </a:tc>
-                <a:extLst>
-                  <a:ext uri="{0D108BD9-81ED-4DB2-BD59-A6C34878D82A}">
-                    <a16:rowId xmlns:a16="http://schemas.microsoft.com/office/drawing/2014/main" val="3539757904"/>
-                  </a:ext>
-                </a:extLst>
-              </a:tr>
-              <a:tr h="370840">
-                <a:tc>
-                  <a:txBody>
-                    <a:bodyPr/>
-                    <a:lstStyle/>
-                    <a:p>
-                      <a:r>
-                        <a:rPr lang="de-DE">
-                          <a:latin typeface="Roboto"/>
-                        </a:rPr>
-                        <a:t>Editieren von Dateien</a:t>
-                      </a:r>
-                    </a:p>
-                  </a:txBody>
-                  <a:tcPr/>
-                </a:tc>
-                <a:tc>
-                  <a:txBody>
-                    <a:bodyPr/>
-                    <a:lstStyle/>
-                    <a:p>
-                      <a:endParaRPr lang="de-DE">
-                        <a:latin typeface="Roboto"/>
-                      </a:endParaRPr>
-                    </a:p>
-                  </a:txBody>
-                  <a:tcPr/>
-                </a:tc>
-                <a:extLst>
-                  <a:ext uri="{0D108BD9-81ED-4DB2-BD59-A6C34878D82A}">
-                    <a16:rowId xmlns:a16="http://schemas.microsoft.com/office/drawing/2014/main" val="2232568555"/>
-                  </a:ext>
-                </a:extLst>
-              </a:tr>
-            </a:tbl>
-          </a:graphicData>
-        </a:graphic>
-      </p:graphicFrame>
-      <p:sp>
-        <p:nvSpPr>
-          <p:cNvPr id="19" name="TextBox 18">
-            <a:extLst>
-              <a:ext uri="{FF2B5EF4-FFF2-40B4-BE49-F238E27FC236}">
-                <a16:creationId xmlns:a16="http://schemas.microsoft.com/office/drawing/2014/main" id="{97607299-4D7D-4C66-B1CF-4D2B3EA7DBB4}"/>
-              </a:ext>
-            </a:extLst>
-          </p:cNvPr>
-          <p:cNvSpPr txBox="1"/>
-          <p:nvPr/>
-        </p:nvSpPr>
-        <p:spPr>
-          <a:xfrm>
-            <a:off x="3821124" y="1327944"/>
-            <a:ext cx="3864508" cy="461665"/>
-          </a:xfrm>
-          <a:prstGeom prst="rect">
-            <a:avLst/>
-          </a:prstGeom>
-          <a:noFill/>
-        </p:spPr>
-        <p:txBody>
-          <a:bodyPr wrap="square" rtlCol="0">
-            <a:spAutoFit/>
-          </a:bodyPr>
-          <a:lstStyle/>
-          <a:p>
-            <a:r>
-              <a:rPr lang="de-DE" sz="2400">
-                <a:solidFill>
-                  <a:srgbClr val="6D7173"/>
-                </a:solidFill>
-                <a:latin typeface="Roboto"/>
-              </a:rPr>
-              <a:t>Funktionale Anforderungen</a:t>
-            </a:r>
-          </a:p>
-        </p:txBody>
-      </p:sp>
-      <p:pic>
-        <p:nvPicPr>
-          <p:cNvPr id="2" name="Picture 2" descr="A picture containing wheel, food&#10;&#10;Description automatically generated">
-            <a:extLst>
-              <a:ext uri="{FF2B5EF4-FFF2-40B4-BE49-F238E27FC236}">
-                <a16:creationId xmlns:a16="http://schemas.microsoft.com/office/drawing/2014/main" id="{08D8242A-6C87-4B86-AB30-828DD34E17E4}"/>
-              </a:ext>
-            </a:extLst>
-          </p:cNvPr>
-          <p:cNvPicPr>
-            <a:picLocks noChangeAspect="1" noChangeArrowheads="1"/>
-          </p:cNvPicPr>
-          <p:nvPr/>
-        </p:nvPicPr>
-        <p:blipFill>
-          <a:blip r:embed="rId2">
-            <a:extLst>
-              <a:ext uri="{28A0092B-C50C-407E-A947-70E740481C1C}">
-                <a14:useLocalDpi xmlns:a14="http://schemas.microsoft.com/office/drawing/2010/main" val="0"/>
-              </a:ext>
-            </a:extLst>
-          </a:blip>
-          <a:stretch>
-            <a:fillRect/>
-          </a:stretch>
-        </p:blipFill>
-        <p:spPr bwMode="auto">
-          <a:xfrm>
-            <a:off x="-55053" y="5060305"/>
-            <a:ext cx="1355990" cy="1355990"/>
-          </a:xfrm>
-          <a:prstGeom prst="rect">
-            <a:avLst/>
-          </a:prstGeom>
-          <a:noFill/>
-          <a:extLst>
-            <a:ext uri="{909E8E84-426E-40DD-AFC4-6F175D3DCCD1}">
-              <a14:hiddenFill xmlns:a14="http://schemas.microsoft.com/office/drawing/2010/main">
-                <a:solidFill>
-                  <a:srgbClr val="FFFFFF"/>
-                </a:solidFill>
-              </a14:hiddenFill>
-            </a:ext>
-          </a:extLst>
-        </p:spPr>
-      </p:pic>
-    </p:spTree>
-    <p:extLst>
-      <p:ext uri="{BB962C8B-B14F-4D97-AF65-F5344CB8AC3E}">
-        <p14:creationId xmlns:p14="http://schemas.microsoft.com/office/powerpoint/2010/main" val="602229894"/>
       </p:ext>
     </p:extLst>
   </p:cSld>
@@ -22576,6 +23327,35 @@
           </a:extLst>
         </p:spPr>
       </p:pic>
+      <p:sp>
+        <p:nvSpPr>
+          <p:cNvPr id="16" name="Foliennummernplatzhalter 15">
+            <a:extLst>
+              <a:ext uri="{FF2B5EF4-FFF2-40B4-BE49-F238E27FC236}">
+                <a16:creationId xmlns:a16="http://schemas.microsoft.com/office/drawing/2014/main" id="{743BF350-1D04-42F4-992F-C63E1F0D3FDA}"/>
+              </a:ext>
+            </a:extLst>
+          </p:cNvPr>
+          <p:cNvSpPr>
+            <a:spLocks noGrp="1"/>
+          </p:cNvSpPr>
+          <p:nvPr>
+            <p:ph type="sldNum" sz="quarter" idx="12"/>
+          </p:nvPr>
+        </p:nvSpPr>
+        <p:spPr/>
+        <p:txBody>
+          <a:bodyPr/>
+          <a:lstStyle/>
+          <a:p>
+            <a:fld id="{B9EAB3BA-07EE-4B64-A177-47C30D775877}" type="slidenum">
+              <a:rPr lang="en-US" smtClean="0"/>
+              <a:t>9</a:t>
+            </a:fld>
+            <a:endParaRPr lang="en-US"/>
+          </a:p>
+        </p:txBody>
+      </p:sp>
     </p:spTree>
     <p:extLst>
       <p:ext uri="{BB962C8B-B14F-4D97-AF65-F5344CB8AC3E}">
@@ -23326,18 +24106,18 @@
 </file>
 
 <file path=customXml/item2.xml><?xml version="1.0" encoding="utf-8"?>
-<p:properties xmlns:p="http://schemas.microsoft.com/office/2006/metadata/properties" xmlns:xsi="http://www.w3.org/2001/XMLSchema-instance" xmlns:pc="http://schemas.microsoft.com/office/infopath/2007/PartnerControls">
-  <documentManagement/>
-</p:properties>
-</file>
-
-<file path=customXml/item3.xml><?xml version="1.0" encoding="utf-8"?>
 <?mso-contentType ?>
 <FormTemplates xmlns="http://schemas.microsoft.com/sharepoint/v3/contenttype/forms">
   <Display>DocumentLibraryForm</Display>
   <Edit>DocumentLibraryForm</Edit>
   <New>DocumentLibraryForm</New>
 </FormTemplates>
+</file>
+
+<file path=customXml/item3.xml><?xml version="1.0" encoding="utf-8"?>
+<p:properties xmlns:p="http://schemas.microsoft.com/office/2006/metadata/properties" xmlns:xsi="http://www.w3.org/2001/XMLSchema-instance" xmlns:pc="http://schemas.microsoft.com/office/infopath/2007/PartnerControls">
+  <documentManagement/>
+</p:properties>
 </file>
 
 <file path=customXml/itemProps1.xml><?xml version="1.0" encoding="utf-8"?>
@@ -23359,6 +24139,14 @@
 </file>
 
 <file path=customXml/itemProps2.xml><?xml version="1.0" encoding="utf-8"?>
+<ds:datastoreItem xmlns:ds="http://schemas.openxmlformats.org/officeDocument/2006/customXml" ds:itemID="{7967FD8C-8E17-461C-926F-7003BB85106F}">
+  <ds:schemaRefs>
+    <ds:schemaRef ds:uri="http://schemas.microsoft.com/sharepoint/v3/contenttype/forms"/>
+  </ds:schemaRefs>
+</ds:datastoreItem>
+</file>
+
+<file path=customXml/itemProps3.xml><?xml version="1.0" encoding="utf-8"?>
 <ds:datastoreItem xmlns:ds="http://schemas.openxmlformats.org/officeDocument/2006/customXml" ds:itemID="{6E29A5A3-3BD3-4F43-BF73-C6AB3E16EFE5}">
   <ds:schemaRefs>
     <ds:schemaRef ds:uri="ade21427-f45c-4f57-a1b4-55991ceec3f2"/>
@@ -23372,12 +24160,4 @@
     <ds:schemaRef ds:uri="http://www.w3.org/XML/1998/namespace"/>
   </ds:schemaRefs>
 </ds:datastoreItem>
-</file>
-
-<file path=customXml/itemProps3.xml><?xml version="1.0" encoding="utf-8"?>
-<ds:datastoreItem xmlns:ds="http://schemas.openxmlformats.org/officeDocument/2006/customXml" ds:itemID="{7967FD8C-8E17-461C-926F-7003BB85106F}">
-  <ds:schemaRefs>
-    <ds:schemaRef ds:uri="http://schemas.microsoft.com/sharepoint/v3/contenttype/forms"/>
-  </ds:schemaRefs>
-</ds:datastoreItem>
 </file>
--- a/PROJECT/Presentation/Tinf19C_Team5_Presentation.pptx
+++ b/PROJECT/Presentation/Tinf19C_Team5_Presentation.pptx
@@ -7,6 +7,9 @@
   <p:notesMasterIdLst>
     <p:notesMasterId r:id="rId23"/>
   </p:notesMasterIdLst>
+  <p:handoutMasterIdLst>
+    <p:handoutMasterId r:id="rId24"/>
+  </p:handoutMasterIdLst>
   <p:sldIdLst>
     <p:sldId id="257" r:id="rId5"/>
     <p:sldId id="258" r:id="rId6"/>
@@ -157,6 +160,195 @@
 </p1510:revInfo>
 </file>
 
+<file path=ppt/handoutMasters/handoutMaster1.xml><?xml version="1.0" encoding="utf-8"?>
+<p:handoutMaster xmlns:a="http://schemas.openxmlformats.org/drawingml/2006/main" xmlns:r="http://schemas.openxmlformats.org/officeDocument/2006/relationships" xmlns:p="http://schemas.openxmlformats.org/presentationml/2006/main">
+  <p:cSld>
+    <p:bg>
+      <p:bgRef idx="1001">
+        <a:schemeClr val="bg1"/>
+      </p:bgRef>
+    </p:bg>
+    <p:spTree>
+      <p:nvGrpSpPr>
+        <p:cNvPr id="1" name=""/>
+        <p:cNvGrpSpPr/>
+        <p:nvPr/>
+      </p:nvGrpSpPr>
+      <p:grpSpPr>
+        <a:xfrm>
+          <a:off x="0" y="0"/>
+          <a:ext cx="0" cy="0"/>
+          <a:chOff x="0" y="0"/>
+          <a:chExt cx="0" cy="0"/>
+        </a:xfrm>
+      </p:grpSpPr>
+      <p:sp>
+        <p:nvSpPr>
+          <p:cNvPr id="2" name="Kopfzeilenplatzhalter 1">
+            <a:extLst>
+              <a:ext uri="{FF2B5EF4-FFF2-40B4-BE49-F238E27FC236}">
+                <a16:creationId xmlns:a16="http://schemas.microsoft.com/office/drawing/2014/main" id="{98DCF217-1DC0-4435-80CC-2679E2FCD853}"/>
+              </a:ext>
+            </a:extLst>
+          </p:cNvPr>
+          <p:cNvSpPr>
+            <a:spLocks noGrp="1"/>
+          </p:cNvSpPr>
+          <p:nvPr>
+            <p:ph type="hdr" sz="quarter"/>
+          </p:nvPr>
+        </p:nvSpPr>
+        <p:spPr>
+          <a:xfrm>
+            <a:off x="0" y="0"/>
+            <a:ext cx="2971800" cy="458788"/>
+          </a:xfrm>
+          <a:prstGeom prst="rect">
+            <a:avLst/>
+          </a:prstGeom>
+        </p:spPr>
+        <p:txBody>
+          <a:bodyPr vert="horz" lIns="91440" tIns="45720" rIns="91440" bIns="45720" rtlCol="0"/>
+          <a:lstStyle>
+            <a:lvl1pPr algn="l">
+              <a:defRPr sz="1200"/>
+            </a:lvl1pPr>
+          </a:lstStyle>
+          <a:p>
+            <a:endParaRPr lang="de-DE"/>
+          </a:p>
+        </p:txBody>
+      </p:sp>
+      <p:sp>
+        <p:nvSpPr>
+          <p:cNvPr id="3" name="Datumsplatzhalter 2">
+            <a:extLst>
+              <a:ext uri="{FF2B5EF4-FFF2-40B4-BE49-F238E27FC236}">
+                <a16:creationId xmlns:a16="http://schemas.microsoft.com/office/drawing/2014/main" id="{7A2A0B33-42F6-4E53-B456-95934DDD6F53}"/>
+              </a:ext>
+            </a:extLst>
+          </p:cNvPr>
+          <p:cNvSpPr>
+            <a:spLocks noGrp="1"/>
+          </p:cNvSpPr>
+          <p:nvPr>
+            <p:ph type="dt" sz="quarter" idx="1"/>
+          </p:nvPr>
+        </p:nvSpPr>
+        <p:spPr>
+          <a:xfrm>
+            <a:off x="3884613" y="0"/>
+            <a:ext cx="2971800" cy="458788"/>
+          </a:xfrm>
+          <a:prstGeom prst="rect">
+            <a:avLst/>
+          </a:prstGeom>
+        </p:spPr>
+        <p:txBody>
+          <a:bodyPr vert="horz" lIns="91440" tIns="45720" rIns="91440" bIns="45720" rtlCol="0"/>
+          <a:lstStyle>
+            <a:lvl1pPr algn="r">
+              <a:defRPr sz="1200"/>
+            </a:lvl1pPr>
+          </a:lstStyle>
+          <a:p>
+            <a:fld id="{4AEAC162-C403-4F86-A1BA-9864DAAA35FB}" type="datetimeFigureOut">
+              <a:rPr lang="de-DE" smtClean="0"/>
+              <a:t>13.11.2020</a:t>
+            </a:fld>
+            <a:endParaRPr lang="de-DE"/>
+          </a:p>
+        </p:txBody>
+      </p:sp>
+      <p:sp>
+        <p:nvSpPr>
+          <p:cNvPr id="4" name="Fußzeilenplatzhalter 3">
+            <a:extLst>
+              <a:ext uri="{FF2B5EF4-FFF2-40B4-BE49-F238E27FC236}">
+                <a16:creationId xmlns:a16="http://schemas.microsoft.com/office/drawing/2014/main" id="{992203EB-7E1D-413E-988E-2A9C1BB18388}"/>
+              </a:ext>
+            </a:extLst>
+          </p:cNvPr>
+          <p:cNvSpPr>
+            <a:spLocks noGrp="1"/>
+          </p:cNvSpPr>
+          <p:nvPr>
+            <p:ph type="ftr" sz="quarter" idx="2"/>
+          </p:nvPr>
+        </p:nvSpPr>
+        <p:spPr>
+          <a:xfrm>
+            <a:off x="0" y="8685213"/>
+            <a:ext cx="2971800" cy="458787"/>
+          </a:xfrm>
+          <a:prstGeom prst="rect">
+            <a:avLst/>
+          </a:prstGeom>
+        </p:spPr>
+        <p:txBody>
+          <a:bodyPr vert="horz" lIns="91440" tIns="45720" rIns="91440" bIns="45720" rtlCol="0" anchor="b"/>
+          <a:lstStyle>
+            <a:lvl1pPr algn="l">
+              <a:defRPr sz="1200"/>
+            </a:lvl1pPr>
+          </a:lstStyle>
+          <a:p>
+            <a:endParaRPr lang="de-DE"/>
+          </a:p>
+        </p:txBody>
+      </p:sp>
+      <p:sp>
+        <p:nvSpPr>
+          <p:cNvPr id="5" name="Foliennummernplatzhalter 4">
+            <a:extLst>
+              <a:ext uri="{FF2B5EF4-FFF2-40B4-BE49-F238E27FC236}">
+                <a16:creationId xmlns:a16="http://schemas.microsoft.com/office/drawing/2014/main" id="{DCF88276-AD65-4390-A0E8-2A76ADA95DC4}"/>
+              </a:ext>
+            </a:extLst>
+          </p:cNvPr>
+          <p:cNvSpPr>
+            <a:spLocks noGrp="1"/>
+          </p:cNvSpPr>
+          <p:nvPr>
+            <p:ph type="sldNum" sz="quarter" idx="3"/>
+          </p:nvPr>
+        </p:nvSpPr>
+        <p:spPr>
+          <a:xfrm>
+            <a:off x="3884613" y="8685213"/>
+            <a:ext cx="2971800" cy="458787"/>
+          </a:xfrm>
+          <a:prstGeom prst="rect">
+            <a:avLst/>
+          </a:prstGeom>
+        </p:spPr>
+        <p:txBody>
+          <a:bodyPr vert="horz" lIns="91440" tIns="45720" rIns="91440" bIns="45720" rtlCol="0" anchor="b"/>
+          <a:lstStyle>
+            <a:lvl1pPr algn="r">
+              <a:defRPr sz="1200"/>
+            </a:lvl1pPr>
+          </a:lstStyle>
+          <a:p>
+            <a:fld id="{0DBB11AA-CBB1-43AD-9E7B-2989A88568EB}" type="slidenum">
+              <a:rPr lang="de-DE" smtClean="0"/>
+              <a:t>‹Nr.›</a:t>
+            </a:fld>
+            <a:endParaRPr lang="de-DE"/>
+          </a:p>
+        </p:txBody>
+      </p:sp>
+    </p:spTree>
+    <p:extLst>
+      <p:ext uri="{BB962C8B-B14F-4D97-AF65-F5344CB8AC3E}">
+        <p14:creationId xmlns:p14="http://schemas.microsoft.com/office/powerpoint/2010/main" val="3981727392"/>
+      </p:ext>
+    </p:extLst>
+  </p:cSld>
+  <p:clrMap bg1="lt1" tx1="dk1" bg2="lt2" tx2="dk2" accent1="accent1" accent2="accent2" accent3="accent3" accent4="accent4" accent5="accent5" accent6="accent6" hlink="hlink" folHlink="folHlink"/>
+</p:handoutMaster>
+</file>
+
 <file path=ppt/notesMasters/notesMaster1.xml><?xml version="1.0" encoding="utf-8"?>
 <p:notesMaster xmlns:a="http://schemas.openxmlformats.org/drawingml/2006/main" xmlns:r="http://schemas.openxmlformats.org/officeDocument/2006/relationships" xmlns:p="http://schemas.openxmlformats.org/presentationml/2006/main">
   <p:cSld>
@@ -1039,9 +1231,9 @@
           <a:bodyPr/>
           <a:lstStyle/>
           <a:p>
-            <a:fld id="{0EC4648F-1D06-43BE-BCAB-D7EEB3CBD52B}" type="datetime2">
+            <a:fld id="{8019288D-A634-4624-BFEE-D36D5CBC998B}" type="datetime3">
               <a:rPr lang="en-US" smtClean="0"/>
-              <a:t>Friday, November 13, 2020</a:t>
+              <a:t>13 November 2020</a:t>
             </a:fld>
             <a:endParaRPr lang="en-US"/>
           </a:p>
@@ -1239,9 +1431,9 @@
           <a:bodyPr/>
           <a:lstStyle/>
           <a:p>
-            <a:fld id="{AF9CE901-0165-4FB6-9BBC-09BD1493AC2F}" type="datetime2">
+            <a:fld id="{55335B39-B8FC-46D8-9B07-A82C59534445}" type="datetime3">
               <a:rPr lang="en-US" smtClean="0"/>
-              <a:t>Friday, November 13, 2020</a:t>
+              <a:t>13 November 2020</a:t>
             </a:fld>
             <a:endParaRPr lang="en-US"/>
           </a:p>
@@ -1449,9 +1641,9 @@
           <a:bodyPr/>
           <a:lstStyle/>
           <a:p>
-            <a:fld id="{496ED1F1-224B-4CCA-B40B-921253A84B08}" type="datetime2">
+            <a:fld id="{5532BCB3-6CAE-487D-A5C6-20DA7FDF4332}" type="datetime3">
               <a:rPr lang="en-US" smtClean="0"/>
-              <a:t>Friday, November 13, 2020</a:t>
+              <a:t>13 November 2020</a:t>
             </a:fld>
             <a:endParaRPr lang="en-US"/>
           </a:p>
@@ -1644,16 +1836,30 @@
             <p:ph type="dt" sz="half" idx="10"/>
           </p:nvPr>
         </p:nvSpPr>
-        <p:spPr/>
+        <p:spPr>
+          <a:xfrm>
+            <a:off x="9740661" y="92120"/>
+            <a:ext cx="2743200" cy="365125"/>
+          </a:xfrm>
+        </p:spPr>
         <p:txBody>
           <a:bodyPr/>
-          <a:lstStyle/>
-          <a:p>
-            <a:fld id="{734065ED-E996-49A2-93A8-7EDB3E8E1DDE}" type="datetime2">
+          <a:lstStyle>
+            <a:lvl1pPr>
+              <a:defRPr sz="1800">
+                <a:solidFill>
+                  <a:schemeClr val="bg1"/>
+                </a:solidFill>
+              </a:defRPr>
+            </a:lvl1pPr>
+          </a:lstStyle>
+          <a:p>
+            <a:fld id="{6BD027EC-8270-4016-9D4C-449C9951425C}" type="datetime3">
               <a:rPr lang="en-US" smtClean="0"/>
-              <a:t>Friday, November 13, 2020</a:t>
+              <a:pPr/>
+              <a:t>13 November 2020</a:t>
             </a:fld>
-            <a:endParaRPr lang="en-US"/>
+            <a:endParaRPr lang="en-US" dirty="0"/>
           </a:p>
         </p:txBody>
       </p:sp>
@@ -2207,9 +2413,9 @@
           <a:bodyPr/>
           <a:lstStyle/>
           <a:p>
-            <a:fld id="{01A6DC8C-2F93-4B2A-988B-A7FF84875AAE}" type="datetime2">
+            <a:fld id="{60090CFF-D052-4F5C-9F39-3AB54CD58B2E}" type="datetime3">
               <a:rPr lang="en-US" smtClean="0"/>
-              <a:t>Friday, November 13, 2020</a:t>
+              <a:t>13 November 2020</a:t>
             </a:fld>
             <a:endParaRPr lang="en-US"/>
           </a:p>
@@ -2475,9 +2681,9 @@
           <a:bodyPr/>
           <a:lstStyle/>
           <a:p>
-            <a:fld id="{FB499224-7BC8-41FA-A7B4-8DE61E829C88}" type="datetime2">
+            <a:fld id="{A5D55973-54FC-4E98-859B-407D29BF3FEF}" type="datetime3">
               <a:rPr lang="en-US" smtClean="0"/>
-              <a:t>Friday, November 13, 2020</a:t>
+              <a:t>13 November 2020</a:t>
             </a:fld>
             <a:endParaRPr lang="en-US"/>
           </a:p>
@@ -2890,9 +3096,9 @@
           <a:bodyPr/>
           <a:lstStyle/>
           <a:p>
-            <a:fld id="{3A45AB7B-81B8-4716-A242-D8212FFF6224}" type="datetime2">
+            <a:fld id="{68F6AC78-A209-42E8-9F52-B3CD2F5D8AE7}" type="datetime3">
               <a:rPr lang="en-US" smtClean="0"/>
-              <a:t>Friday, November 13, 2020</a:t>
+              <a:t>13 November 2020</a:t>
             </a:fld>
             <a:endParaRPr lang="en-US"/>
           </a:p>
@@ -3032,9 +3238,9 @@
           <a:bodyPr/>
           <a:lstStyle/>
           <a:p>
-            <a:fld id="{83EDA0D2-73CC-4CC7-9CA9-F462DAE269A7}" type="datetime2">
+            <a:fld id="{0F739397-D561-4FBA-B49D-22B28F470284}" type="datetime3">
               <a:rPr lang="en-US" smtClean="0"/>
-              <a:t>Friday, November 13, 2020</a:t>
+              <a:t>13 November 2020</a:t>
             </a:fld>
             <a:endParaRPr lang="en-US"/>
           </a:p>
@@ -3145,9 +3351,9 @@
           <a:bodyPr/>
           <a:lstStyle/>
           <a:p>
-            <a:fld id="{D2F70160-9EBC-4B2B-A59F-06E7472A5FAA}" type="datetime2">
+            <a:fld id="{768CB1D2-03E2-4D85-BC95-3401AD91D43D}" type="datetime3">
               <a:rPr lang="en-US" smtClean="0"/>
-              <a:t>Friday, November 13, 2020</a:t>
+              <a:t>13 November 2020</a:t>
             </a:fld>
             <a:endParaRPr lang="en-US"/>
           </a:p>
@@ -3458,9 +3664,9 @@
           <a:bodyPr/>
           <a:lstStyle/>
           <a:p>
-            <a:fld id="{AD448679-4C06-40EB-B790-0101BC7A7B28}" type="datetime2">
+            <a:fld id="{F767F7F3-B0E7-4CD9-816D-D57432256CBC}" type="datetime3">
               <a:rPr lang="en-US" smtClean="0"/>
-              <a:t>Friday, November 13, 2020</a:t>
+              <a:t>13 November 2020</a:t>
             </a:fld>
             <a:endParaRPr lang="en-US"/>
           </a:p>
@@ -3747,9 +3953,9 @@
           <a:bodyPr/>
           <a:lstStyle/>
           <a:p>
-            <a:fld id="{305A7CC3-D21E-4647-BF1B-9F444EAEC2CF}" type="datetime2">
+            <a:fld id="{6CBF6438-D967-4CB6-B6FA-7F218A2DEADD}" type="datetime3">
               <a:rPr lang="en-US" smtClean="0"/>
-              <a:t>Friday, November 13, 2020</a:t>
+              <a:t>13 November 2020</a:t>
             </a:fld>
             <a:endParaRPr lang="en-US"/>
           </a:p>
@@ -3990,9 +4196,9 @@
             </a:lvl1pPr>
           </a:lstStyle>
           <a:p>
-            <a:fld id="{9A2AD99F-0664-40A7-B28A-6F4BEA0DE340}" type="datetime2">
+            <a:fld id="{77BA802A-663B-45F7-A51A-7C6FD28F18D5}" type="datetime3">
               <a:rPr lang="en-US" smtClean="0"/>
-              <a:t>Friday, November 13, 2020</a:t>
+              <a:t>13 November 2020</a:t>
             </a:fld>
             <a:endParaRPr lang="en-US"/>
           </a:p>
@@ -4109,7 +4315,7 @@
     <p:sldLayoutId id="2147484956" r:id="rId10"/>
     <p:sldLayoutId id="2147484957" r:id="rId11"/>
   </p:sldLayoutIdLst>
-  <p:hf hdr="0" ftr="0" dt="0"/>
+  <p:hf hdr="0" ftr="0"/>
   <p:txStyles>
     <p:titleStyle>
       <a:lvl1pPr algn="l" defTabSz="914400" rtl="0" eaLnBrk="1" latinLnBrk="0" hangingPunct="1">
@@ -7981,6 +8187,35 @@
           </a:p>
         </p:txBody>
       </p:sp>
+      <p:sp>
+        <p:nvSpPr>
+          <p:cNvPr id="4" name="Datumsplatzhalter 3">
+            <a:extLst>
+              <a:ext uri="{FF2B5EF4-FFF2-40B4-BE49-F238E27FC236}">
+                <a16:creationId xmlns:a16="http://schemas.microsoft.com/office/drawing/2014/main" id="{2F122D0A-E631-42A2-ACA1-1F98496788F8}"/>
+              </a:ext>
+            </a:extLst>
+          </p:cNvPr>
+          <p:cNvSpPr>
+            <a:spLocks noGrp="1"/>
+          </p:cNvSpPr>
+          <p:nvPr>
+            <p:ph type="dt" sz="half" idx="10"/>
+          </p:nvPr>
+        </p:nvSpPr>
+        <p:spPr/>
+        <p:txBody>
+          <a:bodyPr/>
+          <a:lstStyle/>
+          <a:p>
+            <a:fld id="{51C58923-E846-42DC-98D3-F346D7B45744}" type="datetime3">
+              <a:rPr lang="en-US" smtClean="0"/>
+              <a:t>13 November 2020</a:t>
+            </a:fld>
+            <a:endParaRPr lang="en-US" dirty="0"/>
+          </a:p>
+        </p:txBody>
+      </p:sp>
     </p:spTree>
     <p:extLst>
       <p:ext uri="{BB962C8B-B14F-4D97-AF65-F5344CB8AC3E}">
@@ -9406,6 +9641,35 @@
           </a:p>
         </p:txBody>
       </p:sp>
+      <p:sp>
+        <p:nvSpPr>
+          <p:cNvPr id="5" name="Datumsplatzhalter 4">
+            <a:extLst>
+              <a:ext uri="{FF2B5EF4-FFF2-40B4-BE49-F238E27FC236}">
+                <a16:creationId xmlns:a16="http://schemas.microsoft.com/office/drawing/2014/main" id="{4496F058-55C1-43E4-8A2E-037FADCED86A}"/>
+              </a:ext>
+            </a:extLst>
+          </p:cNvPr>
+          <p:cNvSpPr>
+            <a:spLocks noGrp="1"/>
+          </p:cNvSpPr>
+          <p:nvPr>
+            <p:ph type="dt" sz="half" idx="10"/>
+          </p:nvPr>
+        </p:nvSpPr>
+        <p:spPr/>
+        <p:txBody>
+          <a:bodyPr/>
+          <a:lstStyle/>
+          <a:p>
+            <a:fld id="{AE32171A-F25D-4611-A453-14D0CF69A458}" type="datetime3">
+              <a:rPr lang="en-US" smtClean="0"/>
+              <a:t>13 November 2020</a:t>
+            </a:fld>
+            <a:endParaRPr lang="en-US" dirty="0"/>
+          </a:p>
+        </p:txBody>
+      </p:sp>
     </p:spTree>
     <p:extLst>
       <p:ext uri="{BB962C8B-B14F-4D97-AF65-F5344CB8AC3E}">
@@ -10956,6 +11220,35 @@
               <a:t>12</a:t>
             </a:fld>
             <a:endParaRPr lang="en-US"/>
+          </a:p>
+        </p:txBody>
+      </p:sp>
+      <p:sp>
+        <p:nvSpPr>
+          <p:cNvPr id="8" name="Datumsplatzhalter 7">
+            <a:extLst>
+              <a:ext uri="{FF2B5EF4-FFF2-40B4-BE49-F238E27FC236}">
+                <a16:creationId xmlns:a16="http://schemas.microsoft.com/office/drawing/2014/main" id="{0409BB3A-7E57-4C59-9B23-C0A4637DA896}"/>
+              </a:ext>
+            </a:extLst>
+          </p:cNvPr>
+          <p:cNvSpPr>
+            <a:spLocks noGrp="1"/>
+          </p:cNvSpPr>
+          <p:nvPr>
+            <p:ph type="dt" sz="half" idx="10"/>
+          </p:nvPr>
+        </p:nvSpPr>
+        <p:spPr/>
+        <p:txBody>
+          <a:bodyPr/>
+          <a:lstStyle/>
+          <a:p>
+            <a:fld id="{103C79F7-54FA-4149-8DA0-79EC1DB5E873}" type="datetime3">
+              <a:rPr lang="en-US" smtClean="0"/>
+              <a:t>13 November 2020</a:t>
+            </a:fld>
+            <a:endParaRPr lang="en-US" dirty="0"/>
           </a:p>
         </p:txBody>
       </p:sp>
@@ -11589,6 +11882,35 @@
           </a:p>
         </p:txBody>
       </p:sp>
+      <p:sp>
+        <p:nvSpPr>
+          <p:cNvPr id="6" name="Datumsplatzhalter 5">
+            <a:extLst>
+              <a:ext uri="{FF2B5EF4-FFF2-40B4-BE49-F238E27FC236}">
+                <a16:creationId xmlns:a16="http://schemas.microsoft.com/office/drawing/2014/main" id="{40D5B5F3-DBC3-4A25-BAC6-CB1072CA42DB}"/>
+              </a:ext>
+            </a:extLst>
+          </p:cNvPr>
+          <p:cNvSpPr>
+            <a:spLocks noGrp="1"/>
+          </p:cNvSpPr>
+          <p:nvPr>
+            <p:ph type="dt" sz="half" idx="10"/>
+          </p:nvPr>
+        </p:nvSpPr>
+        <p:spPr/>
+        <p:txBody>
+          <a:bodyPr/>
+          <a:lstStyle/>
+          <a:p>
+            <a:fld id="{B21CE744-C5A7-46C8-8B57-34C2BC3065CE}" type="datetime3">
+              <a:rPr lang="en-US" smtClean="0"/>
+              <a:t>13 November 2020</a:t>
+            </a:fld>
+            <a:endParaRPr lang="en-US" dirty="0"/>
+          </a:p>
+        </p:txBody>
+      </p:sp>
     </p:spTree>
     <p:extLst>
       <p:ext uri="{BB962C8B-B14F-4D97-AF65-F5344CB8AC3E}">
@@ -12344,6 +12666,35 @@
           </a:p>
         </p:txBody>
       </p:sp>
+      <p:sp>
+        <p:nvSpPr>
+          <p:cNvPr id="3" name="Datumsplatzhalter 2">
+            <a:extLst>
+              <a:ext uri="{FF2B5EF4-FFF2-40B4-BE49-F238E27FC236}">
+                <a16:creationId xmlns:a16="http://schemas.microsoft.com/office/drawing/2014/main" id="{E722CE71-E4BC-44B1-A907-D13D19A01AF0}"/>
+              </a:ext>
+            </a:extLst>
+          </p:cNvPr>
+          <p:cNvSpPr>
+            <a:spLocks noGrp="1"/>
+          </p:cNvSpPr>
+          <p:nvPr>
+            <p:ph type="dt" sz="half" idx="10"/>
+          </p:nvPr>
+        </p:nvSpPr>
+        <p:spPr/>
+        <p:txBody>
+          <a:bodyPr/>
+          <a:lstStyle/>
+          <a:p>
+            <a:fld id="{AF583248-6F20-41CA-9EEA-F2D84EFA2EF9}" type="datetime3">
+              <a:rPr lang="en-US" smtClean="0"/>
+              <a:t>13 November 2020</a:t>
+            </a:fld>
+            <a:endParaRPr lang="en-US" dirty="0"/>
+          </a:p>
+        </p:txBody>
+      </p:sp>
     </p:spTree>
     <p:extLst>
       <p:ext uri="{BB962C8B-B14F-4D97-AF65-F5344CB8AC3E}">
@@ -13120,6 +13471,35 @@
           </a:p>
         </p:txBody>
       </p:sp>
+      <p:sp>
+        <p:nvSpPr>
+          <p:cNvPr id="3" name="Datumsplatzhalter 2">
+            <a:extLst>
+              <a:ext uri="{FF2B5EF4-FFF2-40B4-BE49-F238E27FC236}">
+                <a16:creationId xmlns:a16="http://schemas.microsoft.com/office/drawing/2014/main" id="{D76F6246-56F0-4C87-9496-6105B36F42EC}"/>
+              </a:ext>
+            </a:extLst>
+          </p:cNvPr>
+          <p:cNvSpPr>
+            <a:spLocks noGrp="1"/>
+          </p:cNvSpPr>
+          <p:nvPr>
+            <p:ph type="dt" sz="half" idx="10"/>
+          </p:nvPr>
+        </p:nvSpPr>
+        <p:spPr/>
+        <p:txBody>
+          <a:bodyPr/>
+          <a:lstStyle/>
+          <a:p>
+            <a:fld id="{246660F4-C121-4C66-8AC7-92837F6EAE29}" type="datetime3">
+              <a:rPr lang="en-US" smtClean="0"/>
+              <a:t>13 November 2020</a:t>
+            </a:fld>
+            <a:endParaRPr lang="en-US" dirty="0"/>
+          </a:p>
+        </p:txBody>
+      </p:sp>
     </p:spTree>
     <p:extLst>
       <p:ext uri="{BB962C8B-B14F-4D97-AF65-F5344CB8AC3E}">
@@ -13744,6 +14124,35 @@
             <a:fld id="{B9EAB3BA-07EE-4B64-A177-47C30D775877}" type="slidenum">
               <a:rPr lang="en-US" smtClean="0"/>
               <a:t>16</a:t>
+            </a:fld>
+            <a:endParaRPr lang="en-US" dirty="0"/>
+          </a:p>
+        </p:txBody>
+      </p:sp>
+      <p:sp>
+        <p:nvSpPr>
+          <p:cNvPr id="3" name="Datumsplatzhalter 2">
+            <a:extLst>
+              <a:ext uri="{FF2B5EF4-FFF2-40B4-BE49-F238E27FC236}">
+                <a16:creationId xmlns:a16="http://schemas.microsoft.com/office/drawing/2014/main" id="{7337B405-B286-4348-A3C0-B7E4C6EF9522}"/>
+              </a:ext>
+            </a:extLst>
+          </p:cNvPr>
+          <p:cNvSpPr>
+            <a:spLocks noGrp="1"/>
+          </p:cNvSpPr>
+          <p:nvPr>
+            <p:ph type="dt" sz="half" idx="10"/>
+          </p:nvPr>
+        </p:nvSpPr>
+        <p:spPr/>
+        <p:txBody>
+          <a:bodyPr/>
+          <a:lstStyle/>
+          <a:p>
+            <a:fld id="{762252D1-B8B2-457E-8227-261483679325}" type="datetime3">
+              <a:rPr lang="en-US" smtClean="0"/>
+              <a:t>13 November 2020</a:t>
             </a:fld>
             <a:endParaRPr lang="en-US" dirty="0"/>
           </a:p>
@@ -14475,6 +14884,35 @@
           </a:p>
         </p:txBody>
       </p:sp>
+      <p:sp>
+        <p:nvSpPr>
+          <p:cNvPr id="3" name="Datumsplatzhalter 2">
+            <a:extLst>
+              <a:ext uri="{FF2B5EF4-FFF2-40B4-BE49-F238E27FC236}">
+                <a16:creationId xmlns:a16="http://schemas.microsoft.com/office/drawing/2014/main" id="{F33F183B-B201-44FE-8F90-A2CD15779903}"/>
+              </a:ext>
+            </a:extLst>
+          </p:cNvPr>
+          <p:cNvSpPr>
+            <a:spLocks noGrp="1"/>
+          </p:cNvSpPr>
+          <p:nvPr>
+            <p:ph type="dt" sz="half" idx="10"/>
+          </p:nvPr>
+        </p:nvSpPr>
+        <p:spPr/>
+        <p:txBody>
+          <a:bodyPr/>
+          <a:lstStyle/>
+          <a:p>
+            <a:fld id="{597B0CD0-391B-45C0-8E6F-9982C736463A}" type="datetime3">
+              <a:rPr lang="en-US" smtClean="0"/>
+              <a:t>13 November 2020</a:t>
+            </a:fld>
+            <a:endParaRPr lang="en-US" dirty="0"/>
+          </a:p>
+        </p:txBody>
+      </p:sp>
     </p:spTree>
     <p:extLst>
       <p:ext uri="{BB962C8B-B14F-4D97-AF65-F5344CB8AC3E}">
@@ -15098,6 +15536,35 @@
           </a:p>
         </p:txBody>
       </p:sp>
+      <p:sp>
+        <p:nvSpPr>
+          <p:cNvPr id="6" name="Datumsplatzhalter 5">
+            <a:extLst>
+              <a:ext uri="{FF2B5EF4-FFF2-40B4-BE49-F238E27FC236}">
+                <a16:creationId xmlns:a16="http://schemas.microsoft.com/office/drawing/2014/main" id="{2A0E5CD5-053A-4516-B25C-46718C1683EA}"/>
+              </a:ext>
+            </a:extLst>
+          </p:cNvPr>
+          <p:cNvSpPr>
+            <a:spLocks noGrp="1"/>
+          </p:cNvSpPr>
+          <p:nvPr>
+            <p:ph type="dt" sz="half" idx="10"/>
+          </p:nvPr>
+        </p:nvSpPr>
+        <p:spPr/>
+        <p:txBody>
+          <a:bodyPr/>
+          <a:lstStyle/>
+          <a:p>
+            <a:fld id="{A11E1BDC-B4C5-4CBE-B9C0-8C1E18BABD4D}" type="datetime3">
+              <a:rPr lang="en-US" smtClean="0"/>
+              <a:t>13 November 2020</a:t>
+            </a:fld>
+            <a:endParaRPr lang="en-US" dirty="0"/>
+          </a:p>
+        </p:txBody>
+      </p:sp>
     </p:spTree>
     <p:extLst>
       <p:ext uri="{BB962C8B-B14F-4D97-AF65-F5344CB8AC3E}">
@@ -15604,7 +16071,7 @@
               <a:buChar char="•"/>
             </a:pPr>
             <a:r>
-              <a:rPr lang="de-DE">
+              <a:rPr lang="de-DE" dirty="0">
                 <a:solidFill>
                   <a:srgbClr val="6D7173"/>
                 </a:solidFill>
@@ -15619,7 +16086,7 @@
               <a:buChar char="•"/>
             </a:pPr>
             <a:r>
-              <a:rPr lang="de-DE">
+              <a:rPr lang="de-DE" dirty="0">
                 <a:solidFill>
                   <a:srgbClr val="6D7173"/>
                 </a:solidFill>
@@ -15634,7 +16101,7 @@
               <a:buChar char="•"/>
             </a:pPr>
             <a:r>
-              <a:rPr lang="de-DE">
+              <a:rPr lang="de-DE" dirty="0">
                 <a:solidFill>
                   <a:srgbClr val="6D7173"/>
                 </a:solidFill>
@@ -15649,7 +16116,7 @@
               <a:buChar char="•"/>
             </a:pPr>
             <a:r>
-              <a:rPr lang="de-DE">
+              <a:rPr lang="de-DE" dirty="0">
                 <a:solidFill>
                   <a:srgbClr val="6D7173"/>
                 </a:solidFill>
@@ -15664,7 +16131,7 @@
               <a:buChar char="•"/>
             </a:pPr>
             <a:r>
-              <a:rPr lang="de-DE">
+              <a:rPr lang="de-DE" dirty="0">
                 <a:solidFill>
                   <a:srgbClr val="6D7173"/>
                 </a:solidFill>
@@ -15679,7 +16146,7 @@
               <a:buChar char="•"/>
             </a:pPr>
             <a:r>
-              <a:rPr lang="de-DE">
+              <a:rPr lang="de-DE" dirty="0">
                 <a:solidFill>
                   <a:srgbClr val="6D7173"/>
                 </a:solidFill>
@@ -15694,7 +16161,7 @@
               <a:buChar char="•"/>
             </a:pPr>
             <a:r>
-              <a:rPr lang="de-DE">
+              <a:rPr lang="de-DE" dirty="0">
                 <a:solidFill>
                   <a:srgbClr val="6D7173"/>
                 </a:solidFill>
@@ -15709,7 +16176,7 @@
               <a:buChar char="•"/>
             </a:pPr>
             <a:r>
-              <a:rPr lang="de-DE">
+              <a:rPr lang="de-DE" dirty="0">
                 <a:solidFill>
                   <a:srgbClr val="6D7173"/>
                 </a:solidFill>
@@ -15791,6 +16258,35 @@
               <a:t>2</a:t>
             </a:fld>
             <a:endParaRPr lang="en-US"/>
+          </a:p>
+        </p:txBody>
+      </p:sp>
+      <p:sp>
+        <p:nvSpPr>
+          <p:cNvPr id="4" name="Datumsplatzhalter 3">
+            <a:extLst>
+              <a:ext uri="{FF2B5EF4-FFF2-40B4-BE49-F238E27FC236}">
+                <a16:creationId xmlns:a16="http://schemas.microsoft.com/office/drawing/2014/main" id="{088FF5ED-76A3-48B4-B772-B665A8513E4F}"/>
+              </a:ext>
+            </a:extLst>
+          </p:cNvPr>
+          <p:cNvSpPr>
+            <a:spLocks noGrp="1"/>
+          </p:cNvSpPr>
+          <p:nvPr>
+            <p:ph type="dt" sz="half" idx="10"/>
+          </p:nvPr>
+        </p:nvSpPr>
+        <p:spPr/>
+        <p:txBody>
+          <a:bodyPr/>
+          <a:lstStyle/>
+          <a:p>
+            <a:fld id="{31AA6255-0F34-4AEE-969B-CE8D31CEAAAF}" type="datetime3">
+              <a:rPr lang="en-US" smtClean="0"/>
+              <a:t>13 November 2020</a:t>
+            </a:fld>
+            <a:endParaRPr lang="en-US" dirty="0"/>
           </a:p>
         </p:txBody>
       </p:sp>
@@ -16824,6 +17320,35 @@
           </a:p>
         </p:txBody>
       </p:sp>
+      <p:sp>
+        <p:nvSpPr>
+          <p:cNvPr id="3" name="Datumsplatzhalter 2">
+            <a:extLst>
+              <a:ext uri="{FF2B5EF4-FFF2-40B4-BE49-F238E27FC236}">
+                <a16:creationId xmlns:a16="http://schemas.microsoft.com/office/drawing/2014/main" id="{6EE5E5B9-9303-44BF-8CA1-2210097478DF}"/>
+              </a:ext>
+            </a:extLst>
+          </p:cNvPr>
+          <p:cNvSpPr>
+            <a:spLocks noGrp="1"/>
+          </p:cNvSpPr>
+          <p:nvPr>
+            <p:ph type="dt" sz="half" idx="10"/>
+          </p:nvPr>
+        </p:nvSpPr>
+        <p:spPr/>
+        <p:txBody>
+          <a:bodyPr/>
+          <a:lstStyle/>
+          <a:p>
+            <a:fld id="{CE8571B7-1DB1-42DB-8986-3A3B280283AB}" type="datetime3">
+              <a:rPr lang="en-US" smtClean="0"/>
+              <a:t>13 November 2020</a:t>
+            </a:fld>
+            <a:endParaRPr lang="en-US" dirty="0"/>
+          </a:p>
+        </p:txBody>
+      </p:sp>
     </p:spTree>
     <p:extLst>
       <p:ext uri="{BB962C8B-B14F-4D97-AF65-F5344CB8AC3E}">
@@ -18142,6 +18667,35 @@
           </a:p>
         </p:txBody>
       </p:sp>
+      <p:sp>
+        <p:nvSpPr>
+          <p:cNvPr id="3" name="Datumsplatzhalter 2">
+            <a:extLst>
+              <a:ext uri="{FF2B5EF4-FFF2-40B4-BE49-F238E27FC236}">
+                <a16:creationId xmlns:a16="http://schemas.microsoft.com/office/drawing/2014/main" id="{ADB55579-302A-41E0-8909-9C82AA493D6B}"/>
+              </a:ext>
+            </a:extLst>
+          </p:cNvPr>
+          <p:cNvSpPr>
+            <a:spLocks noGrp="1"/>
+          </p:cNvSpPr>
+          <p:nvPr>
+            <p:ph type="dt" sz="half" idx="10"/>
+          </p:nvPr>
+        </p:nvSpPr>
+        <p:spPr/>
+        <p:txBody>
+          <a:bodyPr/>
+          <a:lstStyle/>
+          <a:p>
+            <a:fld id="{17F11822-6B8C-48D7-AD46-0FC1A1F9A172}" type="datetime3">
+              <a:rPr lang="en-US" smtClean="0"/>
+              <a:t>13 November 2020</a:t>
+            </a:fld>
+            <a:endParaRPr lang="en-US" dirty="0"/>
+          </a:p>
+        </p:txBody>
+      </p:sp>
     </p:spTree>
     <p:extLst>
       <p:ext uri="{BB962C8B-B14F-4D97-AF65-F5344CB8AC3E}">
@@ -19219,6 +19773,35 @@
           </a:p>
         </p:txBody>
       </p:sp>
+      <p:sp>
+        <p:nvSpPr>
+          <p:cNvPr id="10" name="Datumsplatzhalter 9">
+            <a:extLst>
+              <a:ext uri="{FF2B5EF4-FFF2-40B4-BE49-F238E27FC236}">
+                <a16:creationId xmlns:a16="http://schemas.microsoft.com/office/drawing/2014/main" id="{FC3BE57C-7257-4F60-9000-936DE4AF831C}"/>
+              </a:ext>
+            </a:extLst>
+          </p:cNvPr>
+          <p:cNvSpPr>
+            <a:spLocks noGrp="1"/>
+          </p:cNvSpPr>
+          <p:nvPr>
+            <p:ph type="dt" sz="half" idx="10"/>
+          </p:nvPr>
+        </p:nvSpPr>
+        <p:spPr/>
+        <p:txBody>
+          <a:bodyPr/>
+          <a:lstStyle/>
+          <a:p>
+            <a:fld id="{D56C0236-4EAA-4DEB-8DC2-6C24FD97A2A1}" type="datetime3">
+              <a:rPr lang="en-US" smtClean="0"/>
+              <a:t>13 November 2020</a:t>
+            </a:fld>
+            <a:endParaRPr lang="en-US" dirty="0"/>
+          </a:p>
+        </p:txBody>
+      </p:sp>
     </p:spTree>
     <p:extLst>
       <p:ext uri="{BB962C8B-B14F-4D97-AF65-F5344CB8AC3E}">
@@ -20601,6 +21184,35 @@
               <a:t>6</a:t>
             </a:fld>
             <a:endParaRPr lang="en-US"/>
+          </a:p>
+        </p:txBody>
+      </p:sp>
+      <p:sp>
+        <p:nvSpPr>
+          <p:cNvPr id="15" name="Datumsplatzhalter 14">
+            <a:extLst>
+              <a:ext uri="{FF2B5EF4-FFF2-40B4-BE49-F238E27FC236}">
+                <a16:creationId xmlns:a16="http://schemas.microsoft.com/office/drawing/2014/main" id="{54EECBCD-8D18-4A50-B699-7A1EA417DCA4}"/>
+              </a:ext>
+            </a:extLst>
+          </p:cNvPr>
+          <p:cNvSpPr>
+            <a:spLocks noGrp="1"/>
+          </p:cNvSpPr>
+          <p:nvPr>
+            <p:ph type="dt" sz="half" idx="10"/>
+          </p:nvPr>
+        </p:nvSpPr>
+        <p:spPr/>
+        <p:txBody>
+          <a:bodyPr/>
+          <a:lstStyle/>
+          <a:p>
+            <a:fld id="{8D8086F2-1873-4F4B-96E6-EABFE5DCFDD7}" type="datetime3">
+              <a:rPr lang="en-US" smtClean="0"/>
+              <a:t>13 November 2020</a:t>
+            </a:fld>
+            <a:endParaRPr lang="en-US" dirty="0"/>
           </a:p>
         </p:txBody>
       </p:sp>
@@ -21483,6 +22095,35 @@
               <a:t>7</a:t>
             </a:fld>
             <a:endParaRPr lang="en-US"/>
+          </a:p>
+        </p:txBody>
+      </p:sp>
+      <p:sp>
+        <p:nvSpPr>
+          <p:cNvPr id="4" name="Datumsplatzhalter 3">
+            <a:extLst>
+              <a:ext uri="{FF2B5EF4-FFF2-40B4-BE49-F238E27FC236}">
+                <a16:creationId xmlns:a16="http://schemas.microsoft.com/office/drawing/2014/main" id="{C033497A-1DBE-473B-A35C-860BBC83388D}"/>
+              </a:ext>
+            </a:extLst>
+          </p:cNvPr>
+          <p:cNvSpPr>
+            <a:spLocks noGrp="1"/>
+          </p:cNvSpPr>
+          <p:nvPr>
+            <p:ph type="dt" sz="half" idx="10"/>
+          </p:nvPr>
+        </p:nvSpPr>
+        <p:spPr/>
+        <p:txBody>
+          <a:bodyPr/>
+          <a:lstStyle/>
+          <a:p>
+            <a:fld id="{304BFE4C-0655-45BF-8A10-17BC6B6B6A2E}" type="datetime3">
+              <a:rPr lang="en-US" smtClean="0"/>
+              <a:t>13 November 2020</a:t>
+            </a:fld>
+            <a:endParaRPr lang="en-US" dirty="0"/>
           </a:p>
         </p:txBody>
       </p:sp>
@@ -22385,6 +23026,35 @@
           </a:p>
         </p:txBody>
       </p:sp>
+      <p:sp>
+        <p:nvSpPr>
+          <p:cNvPr id="4" name="Datumsplatzhalter 3">
+            <a:extLst>
+              <a:ext uri="{FF2B5EF4-FFF2-40B4-BE49-F238E27FC236}">
+                <a16:creationId xmlns:a16="http://schemas.microsoft.com/office/drawing/2014/main" id="{BF9C8F71-46CE-48EC-903E-AB3910074B71}"/>
+              </a:ext>
+            </a:extLst>
+          </p:cNvPr>
+          <p:cNvSpPr>
+            <a:spLocks noGrp="1"/>
+          </p:cNvSpPr>
+          <p:nvPr>
+            <p:ph type="dt" sz="half" idx="10"/>
+          </p:nvPr>
+        </p:nvSpPr>
+        <p:spPr/>
+        <p:txBody>
+          <a:bodyPr/>
+          <a:lstStyle/>
+          <a:p>
+            <a:fld id="{B4B58627-4C7E-44F9-A79E-C45CAA17AA74}" type="datetime3">
+              <a:rPr lang="en-US" smtClean="0"/>
+              <a:t>13 November 2020</a:t>
+            </a:fld>
+            <a:endParaRPr lang="en-US" dirty="0"/>
+          </a:p>
+        </p:txBody>
+      </p:sp>
     </p:spTree>
     <p:extLst>
       <p:ext uri="{BB962C8B-B14F-4D97-AF65-F5344CB8AC3E}">
@@ -23353,6 +24023,35 @@
               <a:t>9</a:t>
             </a:fld>
             <a:endParaRPr lang="en-US"/>
+          </a:p>
+        </p:txBody>
+      </p:sp>
+      <p:sp>
+        <p:nvSpPr>
+          <p:cNvPr id="4" name="Datumsplatzhalter 3">
+            <a:extLst>
+              <a:ext uri="{FF2B5EF4-FFF2-40B4-BE49-F238E27FC236}">
+                <a16:creationId xmlns:a16="http://schemas.microsoft.com/office/drawing/2014/main" id="{6B8DC62F-09DC-47C9-A755-1D48308D0D99}"/>
+              </a:ext>
+            </a:extLst>
+          </p:cNvPr>
+          <p:cNvSpPr>
+            <a:spLocks noGrp="1"/>
+          </p:cNvSpPr>
+          <p:nvPr>
+            <p:ph type="dt" sz="half" idx="10"/>
+          </p:nvPr>
+        </p:nvSpPr>
+        <p:spPr/>
+        <p:txBody>
+          <a:bodyPr/>
+          <a:lstStyle/>
+          <a:p>
+            <a:fld id="{B00164B3-562E-4D01-B364-C7B3BAE07CAD}" type="datetime3">
+              <a:rPr lang="en-US" smtClean="0"/>
+              <a:t>13 November 2020</a:t>
+            </a:fld>
+            <a:endParaRPr lang="en-US" dirty="0"/>
           </a:p>
         </p:txBody>
       </p:sp>
@@ -23959,7 +24658,311 @@
 </a:theme>
 </file>
 
+<file path=ppt/theme/theme3.xml><?xml version="1.0" encoding="utf-8"?>
+<a:theme xmlns:a="http://schemas.openxmlformats.org/drawingml/2006/main" name="Office">
+  <a:themeElements>
+    <a:clrScheme name="Office">
+      <a:dk1>
+        <a:sysClr val="windowText" lastClr="000000"/>
+      </a:dk1>
+      <a:lt1>
+        <a:sysClr val="window" lastClr="FFFFFF"/>
+      </a:lt1>
+      <a:dk2>
+        <a:srgbClr val="44546A"/>
+      </a:dk2>
+      <a:lt2>
+        <a:srgbClr val="E7E6E6"/>
+      </a:lt2>
+      <a:accent1>
+        <a:srgbClr val="4472C4"/>
+      </a:accent1>
+      <a:accent2>
+        <a:srgbClr val="ED7D31"/>
+      </a:accent2>
+      <a:accent3>
+        <a:srgbClr val="A5A5A5"/>
+      </a:accent3>
+      <a:accent4>
+        <a:srgbClr val="FFC000"/>
+      </a:accent4>
+      <a:accent5>
+        <a:srgbClr val="5B9BD5"/>
+      </a:accent5>
+      <a:accent6>
+        <a:srgbClr val="70AD47"/>
+      </a:accent6>
+      <a:hlink>
+        <a:srgbClr val="0563C1"/>
+      </a:hlink>
+      <a:folHlink>
+        <a:srgbClr val="954F72"/>
+      </a:folHlink>
+    </a:clrScheme>
+    <a:fontScheme name="Office">
+      <a:majorFont>
+        <a:latin typeface="Calibri Light" panose="020F0302020204030204"/>
+        <a:ea typeface=""/>
+        <a:cs typeface=""/>
+        <a:font script="Jpan" typeface="游ゴシック Light"/>
+        <a:font script="Hang" typeface="맑은 고딕"/>
+        <a:font script="Hans" typeface="等线 Light"/>
+        <a:font script="Hant" typeface="新細明體"/>
+        <a:font script="Arab" typeface="Times New Roman"/>
+        <a:font script="Hebr" typeface="Times New Roman"/>
+        <a:font script="Thai" typeface="Angsana New"/>
+        <a:font script="Ethi" typeface="Nyala"/>
+        <a:font script="Beng" typeface="Vrinda"/>
+        <a:font script="Gujr" typeface="Shruti"/>
+        <a:font script="Khmr" typeface="MoolBoran"/>
+        <a:font script="Knda" typeface="Tunga"/>
+        <a:font script="Guru" typeface="Raavi"/>
+        <a:font script="Cans" typeface="Euphemia"/>
+        <a:font script="Cher" typeface="Plantagenet Cherokee"/>
+        <a:font script="Yiii" typeface="Microsoft Yi Baiti"/>
+        <a:font script="Tibt" typeface="Microsoft Himalaya"/>
+        <a:font script="Thaa" typeface="MV Boli"/>
+        <a:font script="Deva" typeface="Mangal"/>
+        <a:font script="Telu" typeface="Gautami"/>
+        <a:font script="Taml" typeface="Latha"/>
+        <a:font script="Syrc" typeface="Estrangelo Edessa"/>
+        <a:font script="Orya" typeface="Kalinga"/>
+        <a:font script="Mlym" typeface="Kartika"/>
+        <a:font script="Laoo" typeface="DokChampa"/>
+        <a:font script="Sinh" typeface="Iskoola Pota"/>
+        <a:font script="Mong" typeface="Mongolian Baiti"/>
+        <a:font script="Viet" typeface="Times New Roman"/>
+        <a:font script="Uigh" typeface="Microsoft Uighur"/>
+        <a:font script="Geor" typeface="Sylfaen"/>
+        <a:font script="Armn" typeface="Arial"/>
+        <a:font script="Bugi" typeface="Leelawadee UI"/>
+        <a:font script="Bopo" typeface="Microsoft JhengHei"/>
+        <a:font script="Java" typeface="Javanese Text"/>
+        <a:font script="Lisu" typeface="Segoe UI"/>
+        <a:font script="Mymr" typeface="Myanmar Text"/>
+        <a:font script="Nkoo" typeface="Ebrima"/>
+        <a:font script="Olck" typeface="Nirmala UI"/>
+        <a:font script="Osma" typeface="Ebrima"/>
+        <a:font script="Phag" typeface="Phagspa"/>
+        <a:font script="Syrn" typeface="Estrangelo Edessa"/>
+        <a:font script="Syrj" typeface="Estrangelo Edessa"/>
+        <a:font script="Syre" typeface="Estrangelo Edessa"/>
+        <a:font script="Sora" typeface="Nirmala UI"/>
+        <a:font script="Tale" typeface="Microsoft Tai Le"/>
+        <a:font script="Talu" typeface="Microsoft New Tai Lue"/>
+        <a:font script="Tfng" typeface="Ebrima"/>
+      </a:majorFont>
+      <a:minorFont>
+        <a:latin typeface="Calibri" panose="020F0502020204030204"/>
+        <a:ea typeface=""/>
+        <a:cs typeface=""/>
+        <a:font script="Jpan" typeface="游ゴシック"/>
+        <a:font script="Hang" typeface="맑은 고딕"/>
+        <a:font script="Hans" typeface="等线"/>
+        <a:font script="Hant" typeface="新細明體"/>
+        <a:font script="Arab" typeface="Arial"/>
+        <a:font script="Hebr" typeface="Arial"/>
+        <a:font script="Thai" typeface="Cordia New"/>
+        <a:font script="Ethi" typeface="Nyala"/>
+        <a:font script="Beng" typeface="Vrinda"/>
+        <a:font script="Gujr" typeface="Shruti"/>
+        <a:font script="Khmr" typeface="DaunPenh"/>
+        <a:font script="Knda" typeface="Tunga"/>
+        <a:font script="Guru" typeface="Raavi"/>
+        <a:font script="Cans" typeface="Euphemia"/>
+        <a:font script="Cher" typeface="Plantagenet Cherokee"/>
+        <a:font script="Yiii" typeface="Microsoft Yi Baiti"/>
+        <a:font script="Tibt" typeface="Microsoft Himalaya"/>
+        <a:font script="Thaa" typeface="MV Boli"/>
+        <a:font script="Deva" typeface="Mangal"/>
+        <a:font script="Telu" typeface="Gautami"/>
+        <a:font script="Taml" typeface="Latha"/>
+        <a:font script="Syrc" typeface="Estrangelo Edessa"/>
+        <a:font script="Orya" typeface="Kalinga"/>
+        <a:font script="Mlym" typeface="Kartika"/>
+        <a:font script="Laoo" typeface="DokChampa"/>
+        <a:font script="Sinh" typeface="Iskoola Pota"/>
+        <a:font script="Mong" typeface="Mongolian Baiti"/>
+        <a:font script="Viet" typeface="Arial"/>
+        <a:font script="Uigh" typeface="Microsoft Uighur"/>
+        <a:font script="Geor" typeface="Sylfaen"/>
+        <a:font script="Armn" typeface="Arial"/>
+        <a:font script="Bugi" typeface="Leelawadee UI"/>
+        <a:font script="Bopo" typeface="Microsoft JhengHei"/>
+        <a:font script="Java" typeface="Javanese Text"/>
+        <a:font script="Lisu" typeface="Segoe UI"/>
+        <a:font script="Mymr" typeface="Myanmar Text"/>
+        <a:font script="Nkoo" typeface="Ebrima"/>
+        <a:font script="Olck" typeface="Nirmala UI"/>
+        <a:font script="Osma" typeface="Ebrima"/>
+        <a:font script="Phag" typeface="Phagspa"/>
+        <a:font script="Syrn" typeface="Estrangelo Edessa"/>
+        <a:font script="Syrj" typeface="Estrangelo Edessa"/>
+        <a:font script="Syre" typeface="Estrangelo Edessa"/>
+        <a:font script="Sora" typeface="Nirmala UI"/>
+        <a:font script="Tale" typeface="Microsoft Tai Le"/>
+        <a:font script="Talu" typeface="Microsoft New Tai Lue"/>
+        <a:font script="Tfng" typeface="Ebrima"/>
+      </a:minorFont>
+    </a:fontScheme>
+    <a:fmtScheme name="Office">
+      <a:fillStyleLst>
+        <a:solidFill>
+          <a:schemeClr val="phClr"/>
+        </a:solidFill>
+        <a:gradFill rotWithShape="1">
+          <a:gsLst>
+            <a:gs pos="0">
+              <a:schemeClr val="phClr">
+                <a:lumMod val="110000"/>
+                <a:satMod val="105000"/>
+                <a:tint val="67000"/>
+              </a:schemeClr>
+            </a:gs>
+            <a:gs pos="50000">
+              <a:schemeClr val="phClr">
+                <a:lumMod val="105000"/>
+                <a:satMod val="103000"/>
+                <a:tint val="73000"/>
+              </a:schemeClr>
+            </a:gs>
+            <a:gs pos="100000">
+              <a:schemeClr val="phClr">
+                <a:lumMod val="105000"/>
+                <a:satMod val="109000"/>
+                <a:tint val="81000"/>
+              </a:schemeClr>
+            </a:gs>
+          </a:gsLst>
+          <a:lin ang="5400000" scaled="0"/>
+        </a:gradFill>
+        <a:gradFill rotWithShape="1">
+          <a:gsLst>
+            <a:gs pos="0">
+              <a:schemeClr val="phClr">
+                <a:satMod val="103000"/>
+                <a:lumMod val="102000"/>
+                <a:tint val="94000"/>
+              </a:schemeClr>
+            </a:gs>
+            <a:gs pos="50000">
+              <a:schemeClr val="phClr">
+                <a:satMod val="110000"/>
+                <a:lumMod val="100000"/>
+                <a:shade val="100000"/>
+              </a:schemeClr>
+            </a:gs>
+            <a:gs pos="100000">
+              <a:schemeClr val="phClr">
+                <a:lumMod val="99000"/>
+                <a:satMod val="120000"/>
+                <a:shade val="78000"/>
+              </a:schemeClr>
+            </a:gs>
+          </a:gsLst>
+          <a:lin ang="5400000" scaled="0"/>
+        </a:gradFill>
+      </a:fillStyleLst>
+      <a:lnStyleLst>
+        <a:ln w="6350" cap="flat" cmpd="sng" algn="ctr">
+          <a:solidFill>
+            <a:schemeClr val="phClr"/>
+          </a:solidFill>
+          <a:prstDash val="solid"/>
+          <a:miter lim="800000"/>
+        </a:ln>
+        <a:ln w="12700" cap="flat" cmpd="sng" algn="ctr">
+          <a:solidFill>
+            <a:schemeClr val="phClr"/>
+          </a:solidFill>
+          <a:prstDash val="solid"/>
+          <a:miter lim="800000"/>
+        </a:ln>
+        <a:ln w="19050" cap="flat" cmpd="sng" algn="ctr">
+          <a:solidFill>
+            <a:schemeClr val="phClr"/>
+          </a:solidFill>
+          <a:prstDash val="solid"/>
+          <a:miter lim="800000"/>
+        </a:ln>
+      </a:lnStyleLst>
+      <a:effectStyleLst>
+        <a:effectStyle>
+          <a:effectLst/>
+        </a:effectStyle>
+        <a:effectStyle>
+          <a:effectLst/>
+        </a:effectStyle>
+        <a:effectStyle>
+          <a:effectLst>
+            <a:outerShdw blurRad="57150" dist="19050" dir="5400000" algn="ctr" rotWithShape="0">
+              <a:srgbClr val="000000">
+                <a:alpha val="63000"/>
+              </a:srgbClr>
+            </a:outerShdw>
+          </a:effectLst>
+        </a:effectStyle>
+      </a:effectStyleLst>
+      <a:bgFillStyleLst>
+        <a:solidFill>
+          <a:schemeClr val="phClr"/>
+        </a:solidFill>
+        <a:solidFill>
+          <a:schemeClr val="phClr">
+            <a:tint val="95000"/>
+            <a:satMod val="170000"/>
+          </a:schemeClr>
+        </a:solidFill>
+        <a:gradFill rotWithShape="1">
+          <a:gsLst>
+            <a:gs pos="0">
+              <a:schemeClr val="phClr">
+                <a:tint val="93000"/>
+                <a:satMod val="150000"/>
+                <a:shade val="98000"/>
+                <a:lumMod val="102000"/>
+              </a:schemeClr>
+            </a:gs>
+            <a:gs pos="50000">
+              <a:schemeClr val="phClr">
+                <a:tint val="98000"/>
+                <a:satMod val="130000"/>
+                <a:shade val="90000"/>
+                <a:lumMod val="103000"/>
+              </a:schemeClr>
+            </a:gs>
+            <a:gs pos="100000">
+              <a:schemeClr val="phClr">
+                <a:shade val="63000"/>
+                <a:satMod val="120000"/>
+              </a:schemeClr>
+            </a:gs>
+          </a:gsLst>
+          <a:lin ang="5400000" scaled="0"/>
+        </a:gradFill>
+      </a:bgFillStyleLst>
+    </a:fmtScheme>
+  </a:themeElements>
+  <a:objectDefaults/>
+  <a:extraClrSchemeLst/>
+  <a:extLst>
+    <a:ext uri="{05A4C25C-085E-4340-85A3-A5531E510DB2}">
+      <thm15:themeFamily xmlns:thm15="http://schemas.microsoft.com/office/thememl/2012/main" name="Office Theme" id="{62F939B6-93AF-4DB8-9C6B-D6C7DFDC589F}" vid="{4A3C46E8-61CC-4603-A589-7422A47A8E4A}"/>
+    </a:ext>
+  </a:extLst>
+</a:theme>
+</file>
+
 <file path=customXml/item1.xml><?xml version="1.0" encoding="utf-8"?>
+<?mso-contentType ?>
+<FormTemplates xmlns="http://schemas.microsoft.com/sharepoint/v3/contenttype/forms">
+  <Display>DocumentLibraryForm</Display>
+  <Edit>DocumentLibraryForm</Edit>
+  <New>DocumentLibraryForm</New>
+</FormTemplates>
+</file>
+
+<file path=customXml/item2.xml><?xml version="1.0" encoding="utf-8"?>
 <ct:contentTypeSchema xmlns:ct="http://schemas.microsoft.com/office/2006/metadata/contentType" xmlns:ma="http://schemas.microsoft.com/office/2006/metadata/properties/metaAttributes" ct:_="" ma:_="" ma:contentTypeName="Dokument" ma:contentTypeID="0x01010063F856B91C860C4289CFB451A7F61849" ma:contentTypeVersion="4" ma:contentTypeDescription="Ein neues Dokument erstellen." ma:contentTypeScope="" ma:versionID="8a09f4b76cfbe509eeb579934a04cb6a">
   <xsd:schema xmlns:xsd="http://www.w3.org/2001/XMLSchema" xmlns:xs="http://www.w3.org/2001/XMLSchema" xmlns:p="http://schemas.microsoft.com/office/2006/metadata/properties" xmlns:ns3="ade21427-f45c-4f57-a1b4-55991ceec3f2" targetNamespace="http://schemas.microsoft.com/office/2006/metadata/properties" ma:root="true" ma:fieldsID="0be79cfa311db32b225168858170a1ae" ns3:_="">
     <xsd:import namespace="ade21427-f45c-4f57-a1b4-55991ceec3f2"/>
@@ -24105,15 +25108,6 @@
 </ct:contentTypeSchema>
 </file>
 
-<file path=customXml/item2.xml><?xml version="1.0" encoding="utf-8"?>
-<?mso-contentType ?>
-<FormTemplates xmlns="http://schemas.microsoft.com/sharepoint/v3/contenttype/forms">
-  <Display>DocumentLibraryForm</Display>
-  <Edit>DocumentLibraryForm</Edit>
-  <New>DocumentLibraryForm</New>
-</FormTemplates>
-</file>
-
 <file path=customXml/item3.xml><?xml version="1.0" encoding="utf-8"?>
 <p:properties xmlns:p="http://schemas.microsoft.com/office/2006/metadata/properties" xmlns:xsi="http://www.w3.org/2001/XMLSchema-instance" xmlns:pc="http://schemas.microsoft.com/office/infopath/2007/PartnerControls">
   <documentManagement/>
@@ -24121,6 +25115,14 @@
 </file>
 
 <file path=customXml/itemProps1.xml><?xml version="1.0" encoding="utf-8"?>
+<ds:datastoreItem xmlns:ds="http://schemas.openxmlformats.org/officeDocument/2006/customXml" ds:itemID="{7967FD8C-8E17-461C-926F-7003BB85106F}">
+  <ds:schemaRefs>
+    <ds:schemaRef ds:uri="http://schemas.microsoft.com/sharepoint/v3/contenttype/forms"/>
+  </ds:schemaRefs>
+</ds:datastoreItem>
+</file>
+
+<file path=customXml/itemProps2.xml><?xml version="1.0" encoding="utf-8"?>
 <ds:datastoreItem xmlns:ds="http://schemas.openxmlformats.org/officeDocument/2006/customXml" ds:itemID="{F4AA1E31-2EAD-4BEB-9996-77BB014F2D55}">
   <ds:schemaRefs>
     <ds:schemaRef ds:uri="ade21427-f45c-4f57-a1b4-55991ceec3f2"/>
@@ -24134,14 +25136,6 @@
     <ds:schemaRef ds:uri="http://schemas.microsoft.com/office/infopath/2007/PartnerControls"/>
     <ds:schemaRef ds:uri="http://schemas.openxmlformats.org/package/2006/metadata/core-properties"/>
     <ds:schemaRef ds:uri="http://www.w3.org/2001/XMLSchema"/>
-  </ds:schemaRefs>
-</ds:datastoreItem>
-</file>
-
-<file path=customXml/itemProps2.xml><?xml version="1.0" encoding="utf-8"?>
-<ds:datastoreItem xmlns:ds="http://schemas.openxmlformats.org/officeDocument/2006/customXml" ds:itemID="{7967FD8C-8E17-461C-926F-7003BB85106F}">
-  <ds:schemaRefs>
-    <ds:schemaRef ds:uri="http://schemas.microsoft.com/sharepoint/v3/contenttype/forms"/>
   </ds:schemaRefs>
 </ds:datastoreItem>
 </file>
